--- a/FYPPres.pptx
+++ b/FYPPres.pptx
@@ -7,9 +7,8 @@
   <p:sldIdLst>
     <p:sldId id="256" r:id="rId2"/>
     <p:sldId id="257" r:id="rId3"/>
-    <p:sldId id="260" r:id="rId4"/>
-    <p:sldId id="259" r:id="rId5"/>
-    <p:sldId id="258" r:id="rId6"/>
+    <p:sldId id="259" r:id="rId4"/>
+    <p:sldId id="258" r:id="rId5"/>
   </p:sldIdLst>
   <p:sldSz cx="12192000" cy="6858000"/>
   <p:notesSz cx="6858000" cy="9144000"/>
@@ -108,6 +107,11 @@
       </a:defRPr>
     </a:lvl9pPr>
   </p:defaultTextStyle>
+  <p:extLst>
+    <p:ext uri="{EFAFB233-063F-42B5-8137-9DF3F51BA10A}">
+      <p15:sldGuideLst xmlns:p15="http://schemas.microsoft.com/office/powerpoint/2012/main"/>
+    </p:ext>
+  </p:extLst>
 </p:presentation>
 </file>
 
@@ -805,7 +809,7 @@
             <a:fld id="{D200B3F0-A9BC-48CE-8EB6-ECE965069900}" type="datetimeFigureOut">
               <a:rPr lang="en-US" dirty="0"/>
               <a:pPr/>
-              <a:t>10/24/2017</a:t>
+              <a:t>11/2/2017</a:t>
             </a:fld>
             <a:endParaRPr lang="en-US" dirty="0"/>
           </a:p>
@@ -1966,7 +1970,7 @@
           <a:p>
             <a:fld id="{3DF9FFFF-3106-4DDB-AA62-0C80862170D6}" type="datetimeFigureOut">
               <a:rPr lang="en-US" dirty="0"/>
-              <a:t>10/24/2017</a:t>
+              <a:t>11/2/2017</a:t>
             </a:fld>
             <a:endParaRPr lang="en-US" dirty="0"/>
           </a:p>
@@ -3020,7 +3024,7 @@
           <a:p>
             <a:fld id="{A3DA38B7-AE95-4DC8-9A51-7A71F545B098}" type="datetimeFigureOut">
               <a:rPr lang="en-US" dirty="0"/>
-              <a:t>10/24/2017</a:t>
+              <a:t>11/2/2017</a:t>
             </a:fld>
             <a:endParaRPr lang="en-US" dirty="0"/>
           </a:p>
@@ -4233,7 +4237,7 @@
           <a:p>
             <a:fld id="{86F1EC2B-8188-4AC2-9F0D-8D09C51D505A}" type="datetimeFigureOut">
               <a:rPr lang="en-US" dirty="0"/>
-              <a:t>10/24/2017</a:t>
+              <a:t>11/2/2017</a:t>
             </a:fld>
             <a:endParaRPr lang="en-US" dirty="0"/>
           </a:p>
@@ -5337,7 +5341,7 @@
           <a:p>
             <a:fld id="{9212B75E-944F-430B-BE5F-C69FA8823C04}" type="datetimeFigureOut">
               <a:rPr lang="en-US" dirty="0"/>
-              <a:t>10/24/2017</a:t>
+              <a:t>11/2/2017</a:t>
             </a:fld>
             <a:endParaRPr lang="en-US" dirty="0"/>
           </a:p>
@@ -5989,7 +5993,7 @@
           <a:p>
             <a:fld id="{79AE0DC7-7F53-471C-A711-B3DA6F2535F3}" type="datetimeFigureOut">
               <a:rPr lang="en-US" dirty="0"/>
-              <a:t>10/24/2017</a:t>
+              <a:t>11/2/2017</a:t>
             </a:fld>
             <a:endParaRPr lang="en-US" dirty="0"/>
           </a:p>
@@ -6836,7 +6840,7 @@
           <a:p>
             <a:fld id="{3C1F4C9D-4618-451D-80C1-6A376BB42AB4}" type="datetimeFigureOut">
               <a:rPr lang="en-US" dirty="0"/>
-              <a:t>10/24/2017</a:t>
+              <a:t>11/2/2017</a:t>
             </a:fld>
             <a:endParaRPr lang="en-US" dirty="0"/>
           </a:p>
@@ -7021,7 +7025,7 @@
           <a:p>
             <a:fld id="{F54D2318-CE40-42F6-962A-4C6D6CF697DB}" type="datetimeFigureOut">
               <a:rPr lang="en-US" dirty="0"/>
-              <a:t>10/24/2017</a:t>
+              <a:t>11/2/2017</a:t>
             </a:fld>
             <a:endParaRPr lang="en-US" dirty="0"/>
           </a:p>
@@ -8062,7 +8066,7 @@
           <a:p>
             <a:fld id="{0C476AC1-EB7F-4BEF-90D9-5764B50DAF8A}" type="datetimeFigureOut">
               <a:rPr lang="en-US" dirty="0"/>
-              <a:t>10/24/2017</a:t>
+              <a:t>11/2/2017</a:t>
             </a:fld>
             <a:endParaRPr lang="en-US" dirty="0"/>
           </a:p>
@@ -8278,7 +8282,7 @@
           <a:p>
             <a:fld id="{1B20712A-F861-4AB0-A754-4F5A2033CD4B}" type="datetimeFigureOut">
               <a:rPr lang="en-US" dirty="0"/>
-              <a:t>10/24/2017</a:t>
+              <a:t>11/2/2017</a:t>
             </a:fld>
             <a:endParaRPr lang="en-US" dirty="0"/>
           </a:p>
@@ -9383,7 +9387,7 @@
           <a:p>
             <a:fld id="{324507B7-F2DC-4B2C-B14D-58A9766807A2}" type="datetimeFigureOut">
               <a:rPr lang="en-US" dirty="0"/>
-              <a:t>10/24/2017</a:t>
+              <a:t>11/2/2017</a:t>
             </a:fld>
             <a:endParaRPr lang="en-US" dirty="0"/>
           </a:p>
@@ -9655,7 +9659,7 @@
           <a:p>
             <a:fld id="{904A483D-5CB4-4842-8F2F-05D5276ACF63}" type="datetimeFigureOut">
               <a:rPr lang="en-US" dirty="0"/>
-              <a:t>10/24/2017</a:t>
+              <a:t>11/2/2017</a:t>
             </a:fld>
             <a:endParaRPr lang="en-US" dirty="0"/>
           </a:p>
@@ -10037,7 +10041,7 @@
           <a:p>
             <a:fld id="{1D1CE32E-9DC0-47C8-A657-48F5C3E4A10B}" type="datetimeFigureOut">
               <a:rPr lang="en-US" dirty="0"/>
-              <a:t>10/24/2017</a:t>
+              <a:t>11/2/2017</a:t>
             </a:fld>
             <a:endParaRPr lang="en-US" dirty="0"/>
           </a:p>
@@ -10155,7 +10159,7 @@
           <a:p>
             <a:fld id="{2BDF5C0D-8C3A-4771-A43D-83937FC700D4}" type="datetimeFigureOut">
               <a:rPr lang="en-US" dirty="0"/>
-              <a:t>10/24/2017</a:t>
+              <a:t>11/2/2017</a:t>
             </a:fld>
             <a:endParaRPr lang="en-US" dirty="0"/>
           </a:p>
@@ -10250,7 +10254,7 @@
           <a:p>
             <a:fld id="{0203D2D6-FCC2-425A-A4A7-8058E8C01CB1}" type="datetimeFigureOut">
               <a:rPr lang="en-US" dirty="0"/>
-              <a:t>10/24/2017</a:t>
+              <a:t>11/2/2017</a:t>
             </a:fld>
             <a:endParaRPr lang="en-US" dirty="0"/>
           </a:p>
@@ -11402,7 +11406,7 @@
           <a:p>
             <a:fld id="{D8CF2683-E6E7-4CC3-9EEE-7854DD4F3545}" type="datetimeFigureOut">
               <a:rPr lang="en-US" dirty="0"/>
-              <a:t>10/24/2017</a:t>
+              <a:t>11/2/2017</a:t>
             </a:fld>
             <a:endParaRPr lang="en-US" dirty="0"/>
           </a:p>
@@ -12578,7 +12582,7 @@
           <a:p>
             <a:fld id="{7E120F81-B39D-4CBB-8BF3-5D6E395D0F72}" type="datetimeFigureOut">
               <a:rPr lang="en-US" dirty="0"/>
-              <a:t>10/24/2017</a:t>
+              <a:t>11/2/2017</a:t>
             </a:fld>
             <a:endParaRPr lang="en-US" dirty="0"/>
           </a:p>
@@ -13688,7 +13692,7 @@
           <a:p>
             <a:fld id="{564B320A-89BA-47B2-A525-92E8D10B06E4}" type="datetimeFigureOut">
               <a:rPr lang="en-US" dirty="0"/>
-              <a:t>10/24/2017</a:t>
+              <a:t>11/2/2017</a:t>
             </a:fld>
             <a:endParaRPr lang="en-US" dirty="0"/>
           </a:p>
@@ -14449,86 +14453,6 @@
 </file>
 
 <file path=ppt/slides/slide3.xml><?xml version="1.0" encoding="utf-8"?>
-<p:sld xmlns:a="http://schemas.openxmlformats.org/drawingml/2006/main" xmlns:r="http://schemas.openxmlformats.org/officeDocument/2006/relationships" xmlns:p="http://schemas.openxmlformats.org/presentationml/2006/main">
-  <p:cSld>
-    <p:spTree>
-      <p:nvGrpSpPr>
-        <p:cNvPr id="1" name=""/>
-        <p:cNvGrpSpPr/>
-        <p:nvPr/>
-      </p:nvGrpSpPr>
-      <p:grpSpPr>
-        <a:xfrm>
-          <a:off x="0" y="0"/>
-          <a:ext cx="0" cy="0"/>
-          <a:chOff x="0" y="0"/>
-          <a:chExt cx="0" cy="0"/>
-        </a:xfrm>
-      </p:grpSpPr>
-      <p:sp>
-        <p:nvSpPr>
-          <p:cNvPr id="2" name="Title 1">
-            <a:extLst>
-              <a:ext uri="{FF2B5EF4-FFF2-40B4-BE49-F238E27FC236}">
-                <a16:creationId xmlns:a16="http://schemas.microsoft.com/office/drawing/2014/main" id="{5A4B87FC-5EB0-4014-93F5-D9460E0D903B}"/>
-              </a:ext>
-            </a:extLst>
-          </p:cNvPr>
-          <p:cNvSpPr>
-            <a:spLocks noGrp="1"/>
-          </p:cNvSpPr>
-          <p:nvPr>
-            <p:ph type="title"/>
-          </p:nvPr>
-        </p:nvSpPr>
-        <p:spPr/>
-        <p:txBody>
-          <a:bodyPr/>
-          <a:lstStyle/>
-          <a:p>
-            <a:endParaRPr lang="en-IE" dirty="0"/>
-          </a:p>
-        </p:txBody>
-      </p:sp>
-      <p:sp>
-        <p:nvSpPr>
-          <p:cNvPr id="3" name="Content Placeholder 2">
-            <a:extLst>
-              <a:ext uri="{FF2B5EF4-FFF2-40B4-BE49-F238E27FC236}">
-                <a16:creationId xmlns:a16="http://schemas.microsoft.com/office/drawing/2014/main" id="{BD022FAB-F470-48EB-8B2B-0DED02442845}"/>
-              </a:ext>
-            </a:extLst>
-          </p:cNvPr>
-          <p:cNvSpPr>
-            <a:spLocks noGrp="1"/>
-          </p:cNvSpPr>
-          <p:nvPr>
-            <p:ph idx="1"/>
-          </p:nvPr>
-        </p:nvSpPr>
-        <p:spPr/>
-        <p:txBody>
-          <a:bodyPr/>
-          <a:lstStyle/>
-          <a:p>
-            <a:endParaRPr lang="en-IE" dirty="0"/>
-          </a:p>
-        </p:txBody>
-      </p:sp>
-    </p:spTree>
-    <p:extLst>
-      <p:ext uri="{BB962C8B-B14F-4D97-AF65-F5344CB8AC3E}">
-        <p14:creationId xmlns:p14="http://schemas.microsoft.com/office/powerpoint/2010/main" val="3412981269"/>
-      </p:ext>
-    </p:extLst>
-  </p:cSld>
-  <p:clrMapOvr>
-    <a:masterClrMapping/>
-  </p:clrMapOvr>
-</p:sld>
-</file>
-
-<file path=ppt/slides/slide4.xml><?xml version="1.0" encoding="utf-8"?>
 <p:sld xmlns:a="http://schemas.openxmlformats.org/drawingml/2006/main" xmlns:r="http://schemas.openxmlformats.org/officeDocument/2006/relationships" xmlns:p="http://schemas.openxmlformats.org/presentationml/2006/main" showMasterSp="0">
   <p:cSld>
     <p:bg>
@@ -15298,7 +15222,7 @@
 </p:sld>
 </file>
 
-<file path=ppt/slides/slide5.xml><?xml version="1.0" encoding="utf-8"?>
+<file path=ppt/slides/slide4.xml><?xml version="1.0" encoding="utf-8"?>
 <p:sld xmlns:a="http://schemas.openxmlformats.org/drawingml/2006/main" xmlns:r="http://schemas.openxmlformats.org/officeDocument/2006/relationships" xmlns:p="http://schemas.openxmlformats.org/presentationml/2006/main">
   <p:cSld>
     <p:spTree>

--- a/FYPPres.pptx
+++ b/FYPPres.pptx
@@ -809,7 +809,7 @@
             <a:fld id="{D200B3F0-A9BC-48CE-8EB6-ECE965069900}" type="datetimeFigureOut">
               <a:rPr lang="en-US" dirty="0"/>
               <a:pPr/>
-              <a:t>11/2/2017</a:t>
+              <a:t>11/3/2017</a:t>
             </a:fld>
             <a:endParaRPr lang="en-US" dirty="0"/>
           </a:p>
@@ -1970,7 +1970,7 @@
           <a:p>
             <a:fld id="{3DF9FFFF-3106-4DDB-AA62-0C80862170D6}" type="datetimeFigureOut">
               <a:rPr lang="en-US" dirty="0"/>
-              <a:t>11/2/2017</a:t>
+              <a:t>11/3/2017</a:t>
             </a:fld>
             <a:endParaRPr lang="en-US" dirty="0"/>
           </a:p>
@@ -3024,7 +3024,7 @@
           <a:p>
             <a:fld id="{A3DA38B7-AE95-4DC8-9A51-7A71F545B098}" type="datetimeFigureOut">
               <a:rPr lang="en-US" dirty="0"/>
-              <a:t>11/2/2017</a:t>
+              <a:t>11/3/2017</a:t>
             </a:fld>
             <a:endParaRPr lang="en-US" dirty="0"/>
           </a:p>
@@ -4237,7 +4237,7 @@
           <a:p>
             <a:fld id="{86F1EC2B-8188-4AC2-9F0D-8D09C51D505A}" type="datetimeFigureOut">
               <a:rPr lang="en-US" dirty="0"/>
-              <a:t>11/2/2017</a:t>
+              <a:t>11/3/2017</a:t>
             </a:fld>
             <a:endParaRPr lang="en-US" dirty="0"/>
           </a:p>
@@ -5341,7 +5341,7 @@
           <a:p>
             <a:fld id="{9212B75E-944F-430B-BE5F-C69FA8823C04}" type="datetimeFigureOut">
               <a:rPr lang="en-US" dirty="0"/>
-              <a:t>11/2/2017</a:t>
+              <a:t>11/3/2017</a:t>
             </a:fld>
             <a:endParaRPr lang="en-US" dirty="0"/>
           </a:p>
@@ -5993,7 +5993,7 @@
           <a:p>
             <a:fld id="{79AE0DC7-7F53-471C-A711-B3DA6F2535F3}" type="datetimeFigureOut">
               <a:rPr lang="en-US" dirty="0"/>
-              <a:t>11/2/2017</a:t>
+              <a:t>11/3/2017</a:t>
             </a:fld>
             <a:endParaRPr lang="en-US" dirty="0"/>
           </a:p>
@@ -6840,7 +6840,7 @@
           <a:p>
             <a:fld id="{3C1F4C9D-4618-451D-80C1-6A376BB42AB4}" type="datetimeFigureOut">
               <a:rPr lang="en-US" dirty="0"/>
-              <a:t>11/2/2017</a:t>
+              <a:t>11/3/2017</a:t>
             </a:fld>
             <a:endParaRPr lang="en-US" dirty="0"/>
           </a:p>
@@ -7025,7 +7025,7 @@
           <a:p>
             <a:fld id="{F54D2318-CE40-42F6-962A-4C6D6CF697DB}" type="datetimeFigureOut">
               <a:rPr lang="en-US" dirty="0"/>
-              <a:t>11/2/2017</a:t>
+              <a:t>11/3/2017</a:t>
             </a:fld>
             <a:endParaRPr lang="en-US" dirty="0"/>
           </a:p>
@@ -8066,7 +8066,7 @@
           <a:p>
             <a:fld id="{0C476AC1-EB7F-4BEF-90D9-5764B50DAF8A}" type="datetimeFigureOut">
               <a:rPr lang="en-US" dirty="0"/>
-              <a:t>11/2/2017</a:t>
+              <a:t>11/3/2017</a:t>
             </a:fld>
             <a:endParaRPr lang="en-US" dirty="0"/>
           </a:p>
@@ -8282,7 +8282,7 @@
           <a:p>
             <a:fld id="{1B20712A-F861-4AB0-A754-4F5A2033CD4B}" type="datetimeFigureOut">
               <a:rPr lang="en-US" dirty="0"/>
-              <a:t>11/2/2017</a:t>
+              <a:t>11/3/2017</a:t>
             </a:fld>
             <a:endParaRPr lang="en-US" dirty="0"/>
           </a:p>
@@ -9387,7 +9387,7 @@
           <a:p>
             <a:fld id="{324507B7-F2DC-4B2C-B14D-58A9766807A2}" type="datetimeFigureOut">
               <a:rPr lang="en-US" dirty="0"/>
-              <a:t>11/2/2017</a:t>
+              <a:t>11/3/2017</a:t>
             </a:fld>
             <a:endParaRPr lang="en-US" dirty="0"/>
           </a:p>
@@ -9659,7 +9659,7 @@
           <a:p>
             <a:fld id="{904A483D-5CB4-4842-8F2F-05D5276ACF63}" type="datetimeFigureOut">
               <a:rPr lang="en-US" dirty="0"/>
-              <a:t>11/2/2017</a:t>
+              <a:t>11/3/2017</a:t>
             </a:fld>
             <a:endParaRPr lang="en-US" dirty="0"/>
           </a:p>
@@ -10041,7 +10041,7 @@
           <a:p>
             <a:fld id="{1D1CE32E-9DC0-47C8-A657-48F5C3E4A10B}" type="datetimeFigureOut">
               <a:rPr lang="en-US" dirty="0"/>
-              <a:t>11/2/2017</a:t>
+              <a:t>11/3/2017</a:t>
             </a:fld>
             <a:endParaRPr lang="en-US" dirty="0"/>
           </a:p>
@@ -10159,7 +10159,7 @@
           <a:p>
             <a:fld id="{2BDF5C0D-8C3A-4771-A43D-83937FC700D4}" type="datetimeFigureOut">
               <a:rPr lang="en-US" dirty="0"/>
-              <a:t>11/2/2017</a:t>
+              <a:t>11/3/2017</a:t>
             </a:fld>
             <a:endParaRPr lang="en-US" dirty="0"/>
           </a:p>
@@ -10254,7 +10254,7 @@
           <a:p>
             <a:fld id="{0203D2D6-FCC2-425A-A4A7-8058E8C01CB1}" type="datetimeFigureOut">
               <a:rPr lang="en-US" dirty="0"/>
-              <a:t>11/2/2017</a:t>
+              <a:t>11/3/2017</a:t>
             </a:fld>
             <a:endParaRPr lang="en-US" dirty="0"/>
           </a:p>
@@ -11406,7 +11406,7 @@
           <a:p>
             <a:fld id="{D8CF2683-E6E7-4CC3-9EEE-7854DD4F3545}" type="datetimeFigureOut">
               <a:rPr lang="en-US" dirty="0"/>
-              <a:t>11/2/2017</a:t>
+              <a:t>11/3/2017</a:t>
             </a:fld>
             <a:endParaRPr lang="en-US" dirty="0"/>
           </a:p>
@@ -12582,7 +12582,7 @@
           <a:p>
             <a:fld id="{7E120F81-B39D-4CBB-8BF3-5D6E395D0F72}" type="datetimeFigureOut">
               <a:rPr lang="en-US" dirty="0"/>
-              <a:t>11/2/2017</a:t>
+              <a:t>11/3/2017</a:t>
             </a:fld>
             <a:endParaRPr lang="en-US" dirty="0"/>
           </a:p>
@@ -13692,7 +13692,7 @@
           <a:p>
             <a:fld id="{564B320A-89BA-47B2-A525-92E8D10B06E4}" type="datetimeFigureOut">
               <a:rPr lang="en-US" dirty="0"/>
-              <a:t>11/2/2017</a:t>
+              <a:t>11/3/2017</a:t>
             </a:fld>
             <a:endParaRPr lang="en-US" dirty="0"/>
           </a:p>
@@ -15099,36 +15099,6 @@
           </a:fontRef>
         </p:style>
       </p:cxnSp>
-      <p:pic>
-        <p:nvPicPr>
-          <p:cNvPr id="50" name="Picture 49" descr="A picture containing text, indoor, crossword puzzle&#10;&#10;Description generated with high confidence">
-            <a:extLst>
-              <a:ext uri="{FF2B5EF4-FFF2-40B4-BE49-F238E27FC236}">
-                <a16:creationId xmlns:a16="http://schemas.microsoft.com/office/drawing/2014/main" id="{39470082-A72B-4DF4-AB18-995DB835ED59}"/>
-              </a:ext>
-            </a:extLst>
-          </p:cNvPr>
-          <p:cNvPicPr>
-            <a:picLocks noChangeAspect="1"/>
-          </p:cNvPicPr>
-          <p:nvPr/>
-        </p:nvPicPr>
-        <p:blipFill>
-          <a:blip r:embed="rId9"/>
-          <a:stretch>
-            <a:fillRect/>
-          </a:stretch>
-        </p:blipFill>
-        <p:spPr>
-          <a:xfrm>
-            <a:off x="7758711" y="2931394"/>
-            <a:ext cx="1753113" cy="1753113"/>
-          </a:xfrm>
-          <a:prstGeom prst="rect">
-            <a:avLst/>
-          </a:prstGeom>
-        </p:spPr>
-      </p:pic>
       <p:sp>
         <p:nvSpPr>
           <p:cNvPr id="53" name="TextBox 52">
@@ -15194,7 +15164,7 @@
           <p:nvPr/>
         </p:nvPicPr>
         <p:blipFill>
-          <a:blip r:embed="rId10"/>
+          <a:blip r:embed="rId9"/>
           <a:stretch>
             <a:fillRect/>
           </a:stretch>
@@ -15203,6 +15173,36 @@
           <a:xfrm>
             <a:off x="3481180" y="903776"/>
             <a:ext cx="4257552" cy="1524868"/>
+          </a:xfrm>
+          <a:prstGeom prst="rect">
+            <a:avLst/>
+          </a:prstGeom>
+        </p:spPr>
+      </p:pic>
+      <p:pic>
+        <p:nvPicPr>
+          <p:cNvPr id="3" name="Picture 2">
+            <a:extLst>
+              <a:ext uri="{FF2B5EF4-FFF2-40B4-BE49-F238E27FC236}">
+                <a16:creationId xmlns:a16="http://schemas.microsoft.com/office/drawing/2014/main" id="{2DE5970B-F06D-459D-ACFE-5B083473A3B9}"/>
+              </a:ext>
+            </a:extLst>
+          </p:cNvPr>
+          <p:cNvPicPr>
+            <a:picLocks noChangeAspect="1"/>
+          </p:cNvPicPr>
+          <p:nvPr/>
+        </p:nvPicPr>
+        <p:blipFill>
+          <a:blip r:embed="rId10"/>
+          <a:stretch>
+            <a:fillRect/>
+          </a:stretch>
+        </p:blipFill>
+        <p:spPr>
+          <a:xfrm>
+            <a:off x="7844140" y="3211871"/>
+            <a:ext cx="1634816" cy="1634816"/>
           </a:xfrm>
           <a:prstGeom prst="rect">
             <a:avLst/>

--- a/FYPPres.pptx
+++ b/FYPPres.pptx
@@ -4,11 +4,15 @@
   <p:sldMasterIdLst>
     <p:sldMasterId id="2147483648" r:id="rId1"/>
   </p:sldMasterIdLst>
+  <p:notesMasterIdLst>
+    <p:notesMasterId r:id="rId7"/>
+  </p:notesMasterIdLst>
   <p:sldIdLst>
     <p:sldId id="256" r:id="rId2"/>
     <p:sldId id="257" r:id="rId3"/>
     <p:sldId id="259" r:id="rId4"/>
-    <p:sldId id="258" r:id="rId5"/>
+    <p:sldId id="260" r:id="rId5"/>
+    <p:sldId id="258" r:id="rId6"/>
   </p:sldIdLst>
   <p:sldSz cx="12192000" cy="6858000"/>
   <p:notesSz cx="6858000" cy="9144000"/>
@@ -119,6 +123,356 @@
 <p1510:revInfo xmlns:a="http://schemas.openxmlformats.org/drawingml/2006/main" xmlns:r="http://schemas.openxmlformats.org/officeDocument/2006/relationships" xmlns:p1510="http://schemas.microsoft.com/office/powerpoint/2015/10/main"/>
 </file>
 
+<file path=ppt/notesMasters/notesMaster1.xml><?xml version="1.0" encoding="utf-8"?>
+<p:notesMaster xmlns:a="http://schemas.openxmlformats.org/drawingml/2006/main" xmlns:r="http://schemas.openxmlformats.org/officeDocument/2006/relationships" xmlns:p="http://schemas.openxmlformats.org/presentationml/2006/main">
+  <p:cSld>
+    <p:bg>
+      <p:bgRef idx="1001">
+        <a:schemeClr val="bg1"/>
+      </p:bgRef>
+    </p:bg>
+    <p:spTree>
+      <p:nvGrpSpPr>
+        <p:cNvPr id="1" name=""/>
+        <p:cNvGrpSpPr/>
+        <p:nvPr/>
+      </p:nvGrpSpPr>
+      <p:grpSpPr>
+        <a:xfrm>
+          <a:off x="0" y="0"/>
+          <a:ext cx="0" cy="0"/>
+          <a:chOff x="0" y="0"/>
+          <a:chExt cx="0" cy="0"/>
+        </a:xfrm>
+      </p:grpSpPr>
+      <p:sp>
+        <p:nvSpPr>
+          <p:cNvPr id="2" name="Header Placeholder 1"/>
+          <p:cNvSpPr>
+            <a:spLocks noGrp="1"/>
+          </p:cNvSpPr>
+          <p:nvPr>
+            <p:ph type="hdr" sz="quarter"/>
+          </p:nvPr>
+        </p:nvSpPr>
+        <p:spPr>
+          <a:xfrm>
+            <a:off x="0" y="0"/>
+            <a:ext cx="2971800" cy="458788"/>
+          </a:xfrm>
+          <a:prstGeom prst="rect">
+            <a:avLst/>
+          </a:prstGeom>
+        </p:spPr>
+        <p:txBody>
+          <a:bodyPr vert="horz" lIns="91440" tIns="45720" rIns="91440" bIns="45720" rtlCol="0"/>
+          <a:lstStyle>
+            <a:lvl1pPr algn="l">
+              <a:defRPr sz="1200"/>
+            </a:lvl1pPr>
+          </a:lstStyle>
+          <a:p>
+            <a:endParaRPr lang="en-GB"/>
+          </a:p>
+        </p:txBody>
+      </p:sp>
+      <p:sp>
+        <p:nvSpPr>
+          <p:cNvPr id="3" name="Date Placeholder 2"/>
+          <p:cNvSpPr>
+            <a:spLocks noGrp="1"/>
+          </p:cNvSpPr>
+          <p:nvPr>
+            <p:ph type="dt" idx="1"/>
+          </p:nvPr>
+        </p:nvSpPr>
+        <p:spPr>
+          <a:xfrm>
+            <a:off x="3884613" y="0"/>
+            <a:ext cx="2971800" cy="458788"/>
+          </a:xfrm>
+          <a:prstGeom prst="rect">
+            <a:avLst/>
+          </a:prstGeom>
+        </p:spPr>
+        <p:txBody>
+          <a:bodyPr vert="horz" lIns="91440" tIns="45720" rIns="91440" bIns="45720" rtlCol="0"/>
+          <a:lstStyle>
+            <a:lvl1pPr algn="r">
+              <a:defRPr sz="1200"/>
+            </a:lvl1pPr>
+          </a:lstStyle>
+          <a:p>
+            <a:fld id="{55FF297E-CA1A-4BC9-A73D-BCACC3A6DC22}" type="datetimeFigureOut">
+              <a:rPr lang="en-GB" smtClean="0"/>
+              <a:t>04/11/2017</a:t>
+            </a:fld>
+            <a:endParaRPr lang="en-GB"/>
+          </a:p>
+        </p:txBody>
+      </p:sp>
+      <p:sp>
+        <p:nvSpPr>
+          <p:cNvPr id="4" name="Slide Image Placeholder 3"/>
+          <p:cNvSpPr>
+            <a:spLocks noGrp="1" noRot="1" noChangeAspect="1"/>
+          </p:cNvSpPr>
+          <p:nvPr>
+            <p:ph type="sldImg" idx="2"/>
+          </p:nvPr>
+        </p:nvSpPr>
+        <p:spPr>
+          <a:xfrm>
+            <a:off x="685800" y="1143000"/>
+            <a:ext cx="5486400" cy="3086100"/>
+          </a:xfrm>
+          <a:prstGeom prst="rect">
+            <a:avLst/>
+          </a:prstGeom>
+          <a:noFill/>
+          <a:ln w="12700">
+            <a:solidFill>
+              <a:prstClr val="black"/>
+            </a:solidFill>
+          </a:ln>
+        </p:spPr>
+        <p:txBody>
+          <a:bodyPr vert="horz" lIns="91440" tIns="45720" rIns="91440" bIns="45720" rtlCol="0" anchor="ctr"/>
+          <a:lstStyle/>
+          <a:p>
+            <a:endParaRPr lang="en-GB"/>
+          </a:p>
+        </p:txBody>
+      </p:sp>
+      <p:sp>
+        <p:nvSpPr>
+          <p:cNvPr id="5" name="Notes Placeholder 4"/>
+          <p:cNvSpPr>
+            <a:spLocks noGrp="1"/>
+          </p:cNvSpPr>
+          <p:nvPr>
+            <p:ph type="body" sz="quarter" idx="3"/>
+          </p:nvPr>
+        </p:nvSpPr>
+        <p:spPr>
+          <a:xfrm>
+            <a:off x="685800" y="4400550"/>
+            <a:ext cx="5486400" cy="3600450"/>
+          </a:xfrm>
+          <a:prstGeom prst="rect">
+            <a:avLst/>
+          </a:prstGeom>
+        </p:spPr>
+        <p:txBody>
+          <a:bodyPr vert="horz" lIns="91440" tIns="45720" rIns="91440" bIns="45720" rtlCol="0"/>
+          <a:lstStyle/>
+          <a:p>
+            <a:pPr lvl="0"/>
+            <a:r>
+              <a:rPr lang="en-US"/>
+              <a:t>Edit Master text styles</a:t>
+            </a:r>
+          </a:p>
+          <a:p>
+            <a:pPr lvl="1"/>
+            <a:r>
+              <a:rPr lang="en-US"/>
+              <a:t>Second level</a:t>
+            </a:r>
+          </a:p>
+          <a:p>
+            <a:pPr lvl="2"/>
+            <a:r>
+              <a:rPr lang="en-US"/>
+              <a:t>Third level</a:t>
+            </a:r>
+          </a:p>
+          <a:p>
+            <a:pPr lvl="3"/>
+            <a:r>
+              <a:rPr lang="en-US"/>
+              <a:t>Fourth level</a:t>
+            </a:r>
+          </a:p>
+          <a:p>
+            <a:pPr lvl="4"/>
+            <a:r>
+              <a:rPr lang="en-US"/>
+              <a:t>Fifth level</a:t>
+            </a:r>
+            <a:endParaRPr lang="en-GB"/>
+          </a:p>
+        </p:txBody>
+      </p:sp>
+      <p:sp>
+        <p:nvSpPr>
+          <p:cNvPr id="6" name="Footer Placeholder 5"/>
+          <p:cNvSpPr>
+            <a:spLocks noGrp="1"/>
+          </p:cNvSpPr>
+          <p:nvPr>
+            <p:ph type="ftr" sz="quarter" idx="4"/>
+          </p:nvPr>
+        </p:nvSpPr>
+        <p:spPr>
+          <a:xfrm>
+            <a:off x="0" y="8685213"/>
+            <a:ext cx="2971800" cy="458787"/>
+          </a:xfrm>
+          <a:prstGeom prst="rect">
+            <a:avLst/>
+          </a:prstGeom>
+        </p:spPr>
+        <p:txBody>
+          <a:bodyPr vert="horz" lIns="91440" tIns="45720" rIns="91440" bIns="45720" rtlCol="0" anchor="b"/>
+          <a:lstStyle>
+            <a:lvl1pPr algn="l">
+              <a:defRPr sz="1200"/>
+            </a:lvl1pPr>
+          </a:lstStyle>
+          <a:p>
+            <a:endParaRPr lang="en-GB"/>
+          </a:p>
+        </p:txBody>
+      </p:sp>
+      <p:sp>
+        <p:nvSpPr>
+          <p:cNvPr id="7" name="Slide Number Placeholder 6"/>
+          <p:cNvSpPr>
+            <a:spLocks noGrp="1"/>
+          </p:cNvSpPr>
+          <p:nvPr>
+            <p:ph type="sldNum" sz="quarter" idx="5"/>
+          </p:nvPr>
+        </p:nvSpPr>
+        <p:spPr>
+          <a:xfrm>
+            <a:off x="3884613" y="8685213"/>
+            <a:ext cx="2971800" cy="458787"/>
+          </a:xfrm>
+          <a:prstGeom prst="rect">
+            <a:avLst/>
+          </a:prstGeom>
+        </p:spPr>
+        <p:txBody>
+          <a:bodyPr vert="horz" lIns="91440" tIns="45720" rIns="91440" bIns="45720" rtlCol="0" anchor="b"/>
+          <a:lstStyle>
+            <a:lvl1pPr algn="r">
+              <a:defRPr sz="1200"/>
+            </a:lvl1pPr>
+          </a:lstStyle>
+          <a:p>
+            <a:fld id="{6C7E18DC-213C-4F35-9188-EB12E9F99AC7}" type="slidenum">
+              <a:rPr lang="en-GB" smtClean="0"/>
+              <a:t>‹#›</a:t>
+            </a:fld>
+            <a:endParaRPr lang="en-GB"/>
+          </a:p>
+        </p:txBody>
+      </p:sp>
+    </p:spTree>
+    <p:extLst>
+      <p:ext uri="{BB962C8B-B14F-4D97-AF65-F5344CB8AC3E}">
+        <p14:creationId xmlns:p14="http://schemas.microsoft.com/office/powerpoint/2010/main" val="3834244155"/>
+      </p:ext>
+    </p:extLst>
+  </p:cSld>
+  <p:clrMap bg1="lt1" tx1="dk1" bg2="lt2" tx2="dk2" accent1="accent1" accent2="accent2" accent3="accent3" accent4="accent4" accent5="accent5" accent6="accent6" hlink="hlink" folHlink="folHlink"/>
+  <p:notesStyle>
+    <a:lvl1pPr marL="0" algn="l" defTabSz="914400" rtl="0" eaLnBrk="1" latinLnBrk="0" hangingPunct="1">
+      <a:defRPr sz="1200" kern="1200">
+        <a:solidFill>
+          <a:schemeClr val="tx1"/>
+        </a:solidFill>
+        <a:latin typeface="+mn-lt"/>
+        <a:ea typeface="+mn-ea"/>
+        <a:cs typeface="+mn-cs"/>
+      </a:defRPr>
+    </a:lvl1pPr>
+    <a:lvl2pPr marL="457200" algn="l" defTabSz="914400" rtl="0" eaLnBrk="1" latinLnBrk="0" hangingPunct="1">
+      <a:defRPr sz="1200" kern="1200">
+        <a:solidFill>
+          <a:schemeClr val="tx1"/>
+        </a:solidFill>
+        <a:latin typeface="+mn-lt"/>
+        <a:ea typeface="+mn-ea"/>
+        <a:cs typeface="+mn-cs"/>
+      </a:defRPr>
+    </a:lvl2pPr>
+    <a:lvl3pPr marL="914400" algn="l" defTabSz="914400" rtl="0" eaLnBrk="1" latinLnBrk="0" hangingPunct="1">
+      <a:defRPr sz="1200" kern="1200">
+        <a:solidFill>
+          <a:schemeClr val="tx1"/>
+        </a:solidFill>
+        <a:latin typeface="+mn-lt"/>
+        <a:ea typeface="+mn-ea"/>
+        <a:cs typeface="+mn-cs"/>
+      </a:defRPr>
+    </a:lvl3pPr>
+    <a:lvl4pPr marL="1371600" algn="l" defTabSz="914400" rtl="0" eaLnBrk="1" latinLnBrk="0" hangingPunct="1">
+      <a:defRPr sz="1200" kern="1200">
+        <a:solidFill>
+          <a:schemeClr val="tx1"/>
+        </a:solidFill>
+        <a:latin typeface="+mn-lt"/>
+        <a:ea typeface="+mn-ea"/>
+        <a:cs typeface="+mn-cs"/>
+      </a:defRPr>
+    </a:lvl4pPr>
+    <a:lvl5pPr marL="1828800" algn="l" defTabSz="914400" rtl="0" eaLnBrk="1" latinLnBrk="0" hangingPunct="1">
+      <a:defRPr sz="1200" kern="1200">
+        <a:solidFill>
+          <a:schemeClr val="tx1"/>
+        </a:solidFill>
+        <a:latin typeface="+mn-lt"/>
+        <a:ea typeface="+mn-ea"/>
+        <a:cs typeface="+mn-cs"/>
+      </a:defRPr>
+    </a:lvl5pPr>
+    <a:lvl6pPr marL="2286000" algn="l" defTabSz="914400" rtl="0" eaLnBrk="1" latinLnBrk="0" hangingPunct="1">
+      <a:defRPr sz="1200" kern="1200">
+        <a:solidFill>
+          <a:schemeClr val="tx1"/>
+        </a:solidFill>
+        <a:latin typeface="+mn-lt"/>
+        <a:ea typeface="+mn-ea"/>
+        <a:cs typeface="+mn-cs"/>
+      </a:defRPr>
+    </a:lvl6pPr>
+    <a:lvl7pPr marL="2743200" algn="l" defTabSz="914400" rtl="0" eaLnBrk="1" latinLnBrk="0" hangingPunct="1">
+      <a:defRPr sz="1200" kern="1200">
+        <a:solidFill>
+          <a:schemeClr val="tx1"/>
+        </a:solidFill>
+        <a:latin typeface="+mn-lt"/>
+        <a:ea typeface="+mn-ea"/>
+        <a:cs typeface="+mn-cs"/>
+      </a:defRPr>
+    </a:lvl7pPr>
+    <a:lvl8pPr marL="3200400" algn="l" defTabSz="914400" rtl="0" eaLnBrk="1" latinLnBrk="0" hangingPunct="1">
+      <a:defRPr sz="1200" kern="1200">
+        <a:solidFill>
+          <a:schemeClr val="tx1"/>
+        </a:solidFill>
+        <a:latin typeface="+mn-lt"/>
+        <a:ea typeface="+mn-ea"/>
+        <a:cs typeface="+mn-cs"/>
+      </a:defRPr>
+    </a:lvl8pPr>
+    <a:lvl9pPr marL="3657600" algn="l" defTabSz="914400" rtl="0" eaLnBrk="1" latinLnBrk="0" hangingPunct="1">
+      <a:defRPr sz="1200" kern="1200">
+        <a:solidFill>
+          <a:schemeClr val="tx1"/>
+        </a:solidFill>
+        <a:latin typeface="+mn-lt"/>
+        <a:ea typeface="+mn-ea"/>
+        <a:cs typeface="+mn-cs"/>
+      </a:defRPr>
+    </a:lvl9pPr>
+  </p:notesStyle>
+</p:notesMaster>
+</file>
+
 <file path=ppt/slideLayouts/slideLayout1.xml><?xml version="1.0" encoding="utf-8"?>
 <p:sldLayout xmlns:a="http://schemas.openxmlformats.org/drawingml/2006/main" xmlns:r="http://schemas.openxmlformats.org/officeDocument/2006/relationships" xmlns:p="http://schemas.openxmlformats.org/presentationml/2006/main" showMasterSp="0" type="title" preserve="1">
   <p:cSld name="Title Slide">
@@ -809,7 +1163,7 @@
             <a:fld id="{D200B3F0-A9BC-48CE-8EB6-ECE965069900}" type="datetimeFigureOut">
               <a:rPr lang="en-US" dirty="0"/>
               <a:pPr/>
-              <a:t>11/3/2017</a:t>
+              <a:t>11/4/2017</a:t>
             </a:fld>
             <a:endParaRPr lang="en-US" dirty="0"/>
           </a:p>
@@ -1970,7 +2324,7 @@
           <a:p>
             <a:fld id="{3DF9FFFF-3106-4DDB-AA62-0C80862170D6}" type="datetimeFigureOut">
               <a:rPr lang="en-US" dirty="0"/>
-              <a:t>11/3/2017</a:t>
+              <a:t>11/4/2017</a:t>
             </a:fld>
             <a:endParaRPr lang="en-US" dirty="0"/>
           </a:p>
@@ -3024,7 +3378,7 @@
           <a:p>
             <a:fld id="{A3DA38B7-AE95-4DC8-9A51-7A71F545B098}" type="datetimeFigureOut">
               <a:rPr lang="en-US" dirty="0"/>
-              <a:t>11/3/2017</a:t>
+              <a:t>11/4/2017</a:t>
             </a:fld>
             <a:endParaRPr lang="en-US" dirty="0"/>
           </a:p>
@@ -4237,7 +4591,7 @@
           <a:p>
             <a:fld id="{86F1EC2B-8188-4AC2-9F0D-8D09C51D505A}" type="datetimeFigureOut">
               <a:rPr lang="en-US" dirty="0"/>
-              <a:t>11/3/2017</a:t>
+              <a:t>11/4/2017</a:t>
             </a:fld>
             <a:endParaRPr lang="en-US" dirty="0"/>
           </a:p>
@@ -5341,7 +5695,7 @@
           <a:p>
             <a:fld id="{9212B75E-944F-430B-BE5F-C69FA8823C04}" type="datetimeFigureOut">
               <a:rPr lang="en-US" dirty="0"/>
-              <a:t>11/3/2017</a:t>
+              <a:t>11/4/2017</a:t>
             </a:fld>
             <a:endParaRPr lang="en-US" dirty="0"/>
           </a:p>
@@ -5993,7 +6347,7 @@
           <a:p>
             <a:fld id="{79AE0DC7-7F53-471C-A711-B3DA6F2535F3}" type="datetimeFigureOut">
               <a:rPr lang="en-US" dirty="0"/>
-              <a:t>11/3/2017</a:t>
+              <a:t>11/4/2017</a:t>
             </a:fld>
             <a:endParaRPr lang="en-US" dirty="0"/>
           </a:p>
@@ -6840,7 +7194,7 @@
           <a:p>
             <a:fld id="{3C1F4C9D-4618-451D-80C1-6A376BB42AB4}" type="datetimeFigureOut">
               <a:rPr lang="en-US" dirty="0"/>
-              <a:t>11/3/2017</a:t>
+              <a:t>11/4/2017</a:t>
             </a:fld>
             <a:endParaRPr lang="en-US" dirty="0"/>
           </a:p>
@@ -7025,7 +7379,7 @@
           <a:p>
             <a:fld id="{F54D2318-CE40-42F6-962A-4C6D6CF697DB}" type="datetimeFigureOut">
               <a:rPr lang="en-US" dirty="0"/>
-              <a:t>11/3/2017</a:t>
+              <a:t>11/4/2017</a:t>
             </a:fld>
             <a:endParaRPr lang="en-US" dirty="0"/>
           </a:p>
@@ -8066,7 +8420,7 @@
           <a:p>
             <a:fld id="{0C476AC1-EB7F-4BEF-90D9-5764B50DAF8A}" type="datetimeFigureOut">
               <a:rPr lang="en-US" dirty="0"/>
-              <a:t>11/3/2017</a:t>
+              <a:t>11/4/2017</a:t>
             </a:fld>
             <a:endParaRPr lang="en-US" dirty="0"/>
           </a:p>
@@ -8282,7 +8636,7 @@
           <a:p>
             <a:fld id="{1B20712A-F861-4AB0-A754-4F5A2033CD4B}" type="datetimeFigureOut">
               <a:rPr lang="en-US" dirty="0"/>
-              <a:t>11/3/2017</a:t>
+              <a:t>11/4/2017</a:t>
             </a:fld>
             <a:endParaRPr lang="en-US" dirty="0"/>
           </a:p>
@@ -9387,7 +9741,7 @@
           <a:p>
             <a:fld id="{324507B7-F2DC-4B2C-B14D-58A9766807A2}" type="datetimeFigureOut">
               <a:rPr lang="en-US" dirty="0"/>
-              <a:t>11/3/2017</a:t>
+              <a:t>11/4/2017</a:t>
             </a:fld>
             <a:endParaRPr lang="en-US" dirty="0"/>
           </a:p>
@@ -9659,7 +10013,7 @@
           <a:p>
             <a:fld id="{904A483D-5CB4-4842-8F2F-05D5276ACF63}" type="datetimeFigureOut">
               <a:rPr lang="en-US" dirty="0"/>
-              <a:t>11/3/2017</a:t>
+              <a:t>11/4/2017</a:t>
             </a:fld>
             <a:endParaRPr lang="en-US" dirty="0"/>
           </a:p>
@@ -10041,7 +10395,7 @@
           <a:p>
             <a:fld id="{1D1CE32E-9DC0-47C8-A657-48F5C3E4A10B}" type="datetimeFigureOut">
               <a:rPr lang="en-US" dirty="0"/>
-              <a:t>11/3/2017</a:t>
+              <a:t>11/4/2017</a:t>
             </a:fld>
             <a:endParaRPr lang="en-US" dirty="0"/>
           </a:p>
@@ -10159,7 +10513,7 @@
           <a:p>
             <a:fld id="{2BDF5C0D-8C3A-4771-A43D-83937FC700D4}" type="datetimeFigureOut">
               <a:rPr lang="en-US" dirty="0"/>
-              <a:t>11/3/2017</a:t>
+              <a:t>11/4/2017</a:t>
             </a:fld>
             <a:endParaRPr lang="en-US" dirty="0"/>
           </a:p>
@@ -10254,7 +10608,7 @@
           <a:p>
             <a:fld id="{0203D2D6-FCC2-425A-A4A7-8058E8C01CB1}" type="datetimeFigureOut">
               <a:rPr lang="en-US" dirty="0"/>
-              <a:t>11/3/2017</a:t>
+              <a:t>11/4/2017</a:t>
             </a:fld>
             <a:endParaRPr lang="en-US" dirty="0"/>
           </a:p>
@@ -11406,7 +11760,7 @@
           <a:p>
             <a:fld id="{D8CF2683-E6E7-4CC3-9EEE-7854DD4F3545}" type="datetimeFigureOut">
               <a:rPr lang="en-US" dirty="0"/>
-              <a:t>11/3/2017</a:t>
+              <a:t>11/4/2017</a:t>
             </a:fld>
             <a:endParaRPr lang="en-US" dirty="0"/>
           </a:p>
@@ -12582,7 +12936,7 @@
           <a:p>
             <a:fld id="{7E120F81-B39D-4CBB-8BF3-5D6E395D0F72}" type="datetimeFigureOut">
               <a:rPr lang="en-US" dirty="0"/>
-              <a:t>11/3/2017</a:t>
+              <a:t>11/4/2017</a:t>
             </a:fld>
             <a:endParaRPr lang="en-US" dirty="0"/>
           </a:p>
@@ -13692,7 +14046,7 @@
           <a:p>
             <a:fld id="{564B320A-89BA-47B2-A525-92E8D10B06E4}" type="datetimeFigureOut">
               <a:rPr lang="en-US" dirty="0"/>
-              <a:t>11/3/2017</a:t>
+              <a:t>11/4/2017</a:t>
             </a:fld>
             <a:endParaRPr lang="en-US" dirty="0"/>
           </a:p>
@@ -15239,6 +15593,1426 @@
           <a:chExt cx="0" cy="0"/>
         </a:xfrm>
       </p:grpSpPr>
+      <p:sp>
+        <p:nvSpPr>
+          <p:cNvPr id="2" name="Title 1">
+            <a:extLst>
+              <a:ext uri="{FF2B5EF4-FFF2-40B4-BE49-F238E27FC236}">
+                <a16:creationId xmlns:a16="http://schemas.microsoft.com/office/drawing/2014/main" id="{FD39046D-31F7-4639-9359-9216D28109D5}"/>
+              </a:ext>
+            </a:extLst>
+          </p:cNvPr>
+          <p:cNvSpPr>
+            <a:spLocks noGrp="1"/>
+          </p:cNvSpPr>
+          <p:nvPr>
+            <p:ph type="title"/>
+          </p:nvPr>
+        </p:nvSpPr>
+        <p:spPr>
+          <a:xfrm>
+            <a:off x="1153908" y="2047118"/>
+            <a:ext cx="3860259" cy="701525"/>
+          </a:xfrm>
+        </p:spPr>
+        <p:txBody>
+          <a:bodyPr>
+            <a:normAutofit fontScale="90000"/>
+          </a:bodyPr>
+          <a:lstStyle/>
+          <a:p>
+            <a:pPr algn="ctr"/>
+            <a:r>
+              <a:rPr lang="en-GB" dirty="0"/>
+              <a:t>Scope/Work Breakdown </a:t>
+            </a:r>
+          </a:p>
+        </p:txBody>
+      </p:sp>
+      <p:sp>
+        <p:nvSpPr>
+          <p:cNvPr id="4" name="Text Placeholder 3">
+            <a:extLst>
+              <a:ext uri="{FF2B5EF4-FFF2-40B4-BE49-F238E27FC236}">
+                <a16:creationId xmlns:a16="http://schemas.microsoft.com/office/drawing/2014/main" id="{CCBE444F-4025-4A69-BCBE-E4CB5658EF05}"/>
+              </a:ext>
+            </a:extLst>
+          </p:cNvPr>
+          <p:cNvSpPr>
+            <a:spLocks noGrp="1"/>
+          </p:cNvSpPr>
+          <p:nvPr>
+            <p:ph type="body" sz="half" idx="2"/>
+          </p:nvPr>
+        </p:nvSpPr>
+        <p:spPr>
+          <a:xfrm>
+            <a:off x="1154955" y="3657599"/>
+            <a:ext cx="3859212" cy="2405743"/>
+          </a:xfrm>
+        </p:spPr>
+        <p:txBody>
+          <a:bodyPr>
+            <a:normAutofit fontScale="92500" lnSpcReduction="20000"/>
+          </a:bodyPr>
+          <a:lstStyle/>
+          <a:p>
+            <a:pPr marL="285750" indent="-285750">
+              <a:buFont typeface="Arial" panose="020B0604020202020204" pitchFamily="34" charset="0"/>
+              <a:buChar char="•"/>
+            </a:pPr>
+            <a:r>
+              <a:rPr lang="en-GB" sz="1800" dirty="0">
+                <a:solidFill>
+                  <a:schemeClr val="tx1"/>
+                </a:solidFill>
+              </a:rPr>
+              <a:t>Security/User Authentication </a:t>
+            </a:r>
+          </a:p>
+          <a:p>
+            <a:pPr marL="285750" indent="-285750">
+              <a:buFont typeface="Arial" panose="020B0604020202020204" pitchFamily="34" charset="0"/>
+              <a:buChar char="•"/>
+            </a:pPr>
+            <a:r>
+              <a:rPr lang="en-GB" sz="1800" dirty="0">
+                <a:solidFill>
+                  <a:schemeClr val="tx1"/>
+                </a:solidFill>
+              </a:rPr>
+              <a:t>QR Code Scanning and Data.</a:t>
+            </a:r>
+          </a:p>
+          <a:p>
+            <a:pPr marL="285750" indent="-285750">
+              <a:buFont typeface="Arial" panose="020B0604020202020204" pitchFamily="34" charset="0"/>
+              <a:buChar char="•"/>
+            </a:pPr>
+            <a:r>
+              <a:rPr lang="en-GB" sz="1800" dirty="0">
+                <a:solidFill>
+                  <a:schemeClr val="tx1"/>
+                </a:solidFill>
+              </a:rPr>
+              <a:t>Server Hosting.</a:t>
+            </a:r>
+          </a:p>
+          <a:p>
+            <a:pPr marL="285750" indent="-285750">
+              <a:buFont typeface="Arial" panose="020B0604020202020204" pitchFamily="34" charset="0"/>
+              <a:buChar char="•"/>
+            </a:pPr>
+            <a:r>
+              <a:rPr lang="en-GB" sz="1800" dirty="0">
+                <a:solidFill>
+                  <a:schemeClr val="tx1"/>
+                </a:solidFill>
+              </a:rPr>
+              <a:t>Bitcoin Mapping</a:t>
+            </a:r>
+          </a:p>
+          <a:p>
+            <a:pPr marL="285750" indent="-285750">
+              <a:buFont typeface="Arial" panose="020B0604020202020204" pitchFamily="34" charset="0"/>
+              <a:buChar char="•"/>
+            </a:pPr>
+            <a:r>
+              <a:rPr lang="en-GB" sz="1800" dirty="0">
+                <a:solidFill>
+                  <a:schemeClr val="tx1"/>
+                </a:solidFill>
+              </a:rPr>
+              <a:t>Wallet capabilities and bitcoin storage</a:t>
+            </a:r>
+          </a:p>
+          <a:p>
+            <a:pPr marL="285750" indent="-285750">
+              <a:buFont typeface="Arial" panose="020B0604020202020204" pitchFamily="34" charset="0"/>
+              <a:buChar char="•"/>
+            </a:pPr>
+            <a:r>
+              <a:rPr lang="en-GB" sz="1800" dirty="0">
+                <a:solidFill>
+                  <a:schemeClr val="tx1"/>
+                </a:solidFill>
+              </a:rPr>
+              <a:t>Bit coin Vending and transactions</a:t>
+            </a:r>
+          </a:p>
+          <a:p>
+            <a:pPr marL="285750" indent="-285750">
+              <a:buFont typeface="Arial" panose="020B0604020202020204" pitchFamily="34" charset="0"/>
+              <a:buChar char="•"/>
+            </a:pPr>
+            <a:endParaRPr lang="en-GB" sz="2800" dirty="0">
+              <a:solidFill>
+                <a:schemeClr val="tx1"/>
+              </a:solidFill>
+            </a:endParaRPr>
+          </a:p>
+        </p:txBody>
+      </p:sp>
+      <p:pic>
+        <p:nvPicPr>
+          <p:cNvPr id="1026" name="Picture 2" descr="https://visualwebz.com/wp-content/uploads/2014/08/website-security.png">
+            <a:extLst>
+              <a:ext uri="{FF2B5EF4-FFF2-40B4-BE49-F238E27FC236}">
+                <a16:creationId xmlns:a16="http://schemas.microsoft.com/office/drawing/2014/main" id="{7048A314-7051-48ED-8436-B76BF72FECA4}"/>
+              </a:ext>
+            </a:extLst>
+          </p:cNvPr>
+          <p:cNvPicPr>
+            <a:picLocks noChangeAspect="1" noChangeArrowheads="1"/>
+          </p:cNvPicPr>
+          <p:nvPr/>
+        </p:nvPicPr>
+        <p:blipFill>
+          <a:blip r:embed="rId2">
+            <a:extLst>
+              <a:ext uri="{28A0092B-C50C-407E-A947-70E740481C1C}">
+                <a14:useLocalDpi xmlns:a14="http://schemas.microsoft.com/office/drawing/2010/main" val="0"/>
+              </a:ext>
+            </a:extLst>
+          </a:blip>
+          <a:srcRect/>
+          <a:stretch>
+            <a:fillRect/>
+          </a:stretch>
+        </p:blipFill>
+        <p:spPr bwMode="auto">
+          <a:xfrm>
+            <a:off x="6634676" y="978277"/>
+            <a:ext cx="1861624" cy="1068841"/>
+          </a:xfrm>
+          <a:prstGeom prst="rect">
+            <a:avLst/>
+          </a:prstGeom>
+          <a:noFill/>
+          <a:extLst>
+            <a:ext uri="{909E8E84-426E-40DD-AFC4-6F175D3DCCD1}">
+              <a14:hiddenFill xmlns:a14="http://schemas.microsoft.com/office/drawing/2010/main">
+                <a:solidFill>
+                  <a:srgbClr val="FFFFFF"/>
+                </a:solidFill>
+              </a14:hiddenFill>
+            </a:ext>
+          </a:extLst>
+        </p:spPr>
+      </p:pic>
+      <p:pic>
+        <p:nvPicPr>
+          <p:cNvPr id="1028" name="Picture 4" descr="https://www.buybitcoinworldwide.com/img/goodicons/wallet2.png">
+            <a:extLst>
+              <a:ext uri="{FF2B5EF4-FFF2-40B4-BE49-F238E27FC236}">
+                <a16:creationId xmlns:a16="http://schemas.microsoft.com/office/drawing/2014/main" id="{A32470FA-71FA-49D6-A962-57536103F7EE}"/>
+              </a:ext>
+            </a:extLst>
+          </p:cNvPr>
+          <p:cNvPicPr>
+            <a:picLocks noChangeAspect="1" noChangeArrowheads="1"/>
+          </p:cNvPicPr>
+          <p:nvPr/>
+        </p:nvPicPr>
+        <p:blipFill>
+          <a:blip r:embed="rId3">
+            <a:extLst>
+              <a:ext uri="{28A0092B-C50C-407E-A947-70E740481C1C}">
+                <a14:useLocalDpi xmlns:a14="http://schemas.microsoft.com/office/drawing/2010/main" val="0"/>
+              </a:ext>
+            </a:extLst>
+          </a:blip>
+          <a:srcRect/>
+          <a:stretch>
+            <a:fillRect/>
+          </a:stretch>
+        </p:blipFill>
+        <p:spPr bwMode="auto">
+          <a:xfrm>
+            <a:off x="8888184" y="738361"/>
+            <a:ext cx="1433288" cy="1433288"/>
+          </a:xfrm>
+          <a:prstGeom prst="rect">
+            <a:avLst/>
+          </a:prstGeom>
+          <a:noFill/>
+          <a:extLst>
+            <a:ext uri="{909E8E84-426E-40DD-AFC4-6F175D3DCCD1}">
+              <a14:hiddenFill xmlns:a14="http://schemas.microsoft.com/office/drawing/2010/main">
+                <a:solidFill>
+                  <a:srgbClr val="FFFFFF"/>
+                </a:solidFill>
+              </a14:hiddenFill>
+            </a:ext>
+          </a:extLst>
+        </p:spPr>
+      </p:pic>
+      <p:pic>
+        <p:nvPicPr>
+          <p:cNvPr id="18" name="Picture 17">
+            <a:extLst>
+              <a:ext uri="{FF2B5EF4-FFF2-40B4-BE49-F238E27FC236}">
+                <a16:creationId xmlns:a16="http://schemas.microsoft.com/office/drawing/2014/main" id="{A5F4F6D7-7498-45BA-AB1F-2131DE12545F}"/>
+              </a:ext>
+            </a:extLst>
+          </p:cNvPr>
+          <p:cNvPicPr>
+            <a:picLocks noChangeAspect="1"/>
+          </p:cNvPicPr>
+          <p:nvPr/>
+        </p:nvPicPr>
+        <p:blipFill>
+          <a:blip r:embed="rId4"/>
+          <a:stretch>
+            <a:fillRect/>
+          </a:stretch>
+        </p:blipFill>
+        <p:spPr>
+          <a:xfrm>
+            <a:off x="6784162" y="2329653"/>
+            <a:ext cx="1551599" cy="1399200"/>
+          </a:xfrm>
+          <a:prstGeom prst="rect">
+            <a:avLst/>
+          </a:prstGeom>
+        </p:spPr>
+      </p:pic>
+      <p:pic>
+        <p:nvPicPr>
+          <p:cNvPr id="1030" name="Picture 6" descr="https://upload.wikimedia.org/wikipedia/commons/thumb/f/fb/Server-based-network.svg/220px-Server-based-network.svg.png">
+            <a:extLst>
+              <a:ext uri="{FF2B5EF4-FFF2-40B4-BE49-F238E27FC236}">
+                <a16:creationId xmlns:a16="http://schemas.microsoft.com/office/drawing/2014/main" id="{376AF00D-B5BC-4ADE-A97C-03E5CBFEB884}"/>
+              </a:ext>
+            </a:extLst>
+          </p:cNvPr>
+          <p:cNvPicPr>
+            <a:picLocks noChangeAspect="1" noChangeArrowheads="1"/>
+          </p:cNvPicPr>
+          <p:nvPr/>
+        </p:nvPicPr>
+        <p:blipFill>
+          <a:blip r:embed="rId5">
+            <a:extLst>
+              <a:ext uri="{28A0092B-C50C-407E-A947-70E740481C1C}">
+                <a14:useLocalDpi xmlns:a14="http://schemas.microsoft.com/office/drawing/2010/main" val="0"/>
+              </a:ext>
+            </a:extLst>
+          </a:blip>
+          <a:srcRect/>
+          <a:stretch>
+            <a:fillRect/>
+          </a:stretch>
+        </p:blipFill>
+        <p:spPr bwMode="auto">
+          <a:xfrm>
+            <a:off x="8749846" y="2145091"/>
+            <a:ext cx="1713794" cy="1768324"/>
+          </a:xfrm>
+          <a:prstGeom prst="rect">
+            <a:avLst/>
+          </a:prstGeom>
+          <a:noFill/>
+          <a:extLst>
+            <a:ext uri="{909E8E84-426E-40DD-AFC4-6F175D3DCCD1}">
+              <a14:hiddenFill xmlns:a14="http://schemas.microsoft.com/office/drawing/2010/main">
+                <a:solidFill>
+                  <a:srgbClr val="FFFFFF"/>
+                </a:solidFill>
+              </a14:hiddenFill>
+            </a:ext>
+          </a:extLst>
+        </p:spPr>
+      </p:pic>
+      <p:sp>
+        <p:nvSpPr>
+          <p:cNvPr id="19" name="Rectangle 18">
+            <a:extLst>
+              <a:ext uri="{FF2B5EF4-FFF2-40B4-BE49-F238E27FC236}">
+                <a16:creationId xmlns:a16="http://schemas.microsoft.com/office/drawing/2014/main" id="{C0373349-E287-4A38-ADA6-BDE60B08331D}"/>
+              </a:ext>
+            </a:extLst>
+          </p:cNvPr>
+          <p:cNvSpPr/>
+          <p:nvPr/>
+        </p:nvSpPr>
+        <p:spPr>
+          <a:xfrm>
+            <a:off x="5965371" y="408214"/>
+            <a:ext cx="4958443" cy="6340929"/>
+          </a:xfrm>
+          <a:prstGeom prst="rect">
+            <a:avLst/>
+          </a:prstGeom>
+          <a:noFill/>
+          <a:ln>
+            <a:solidFill>
+              <a:srgbClr val="912310"/>
+            </a:solidFill>
+          </a:ln>
+        </p:spPr>
+        <p:style>
+          <a:lnRef idx="2">
+            <a:schemeClr val="accent6"/>
+          </a:lnRef>
+          <a:fillRef idx="1">
+            <a:schemeClr val="lt1"/>
+          </a:fillRef>
+          <a:effectRef idx="0">
+            <a:schemeClr val="accent6"/>
+          </a:effectRef>
+          <a:fontRef idx="minor">
+            <a:schemeClr val="dk1"/>
+          </a:fontRef>
+        </p:style>
+        <p:txBody>
+          <a:bodyPr rtlCol="0" anchor="ctr"/>
+          <a:lstStyle/>
+          <a:p>
+            <a:pPr algn="ctr"/>
+            <a:endParaRPr lang="en-GB"/>
+          </a:p>
+        </p:txBody>
+      </p:sp>
+      <p:pic>
+        <p:nvPicPr>
+          <p:cNvPr id="1032" name="Picture 8" descr="https://lh6.ggpht.com/HQ2vE1khGcJu03_GS6H4eD59vbbyY3LiuBImcnb_DLMlJ2QN4IzUQAIbVLSxcb72gQEe=w300">
+            <a:extLst>
+              <a:ext uri="{FF2B5EF4-FFF2-40B4-BE49-F238E27FC236}">
+                <a16:creationId xmlns:a16="http://schemas.microsoft.com/office/drawing/2014/main" id="{027F6583-308D-4F28-A231-983D9C87BE77}"/>
+              </a:ext>
+            </a:extLst>
+          </p:cNvPr>
+          <p:cNvPicPr>
+            <a:picLocks noChangeAspect="1" noChangeArrowheads="1"/>
+          </p:cNvPicPr>
+          <p:nvPr/>
+        </p:nvPicPr>
+        <p:blipFill>
+          <a:blip r:embed="rId6">
+            <a:extLst>
+              <a:ext uri="{28A0092B-C50C-407E-A947-70E740481C1C}">
+                <a14:useLocalDpi xmlns:a14="http://schemas.microsoft.com/office/drawing/2010/main" val="0"/>
+              </a:ext>
+            </a:extLst>
+          </a:blip>
+          <a:srcRect/>
+          <a:stretch>
+            <a:fillRect/>
+          </a:stretch>
+        </p:blipFill>
+        <p:spPr bwMode="auto">
+          <a:xfrm>
+            <a:off x="6825343" y="4093755"/>
+            <a:ext cx="1515944" cy="1515944"/>
+          </a:xfrm>
+          <a:prstGeom prst="rect">
+            <a:avLst/>
+          </a:prstGeom>
+          <a:noFill/>
+          <a:extLst>
+            <a:ext uri="{909E8E84-426E-40DD-AFC4-6F175D3DCCD1}">
+              <a14:hiddenFill xmlns:a14="http://schemas.microsoft.com/office/drawing/2010/main">
+                <a:solidFill>
+                  <a:srgbClr val="FFFFFF"/>
+                </a:solidFill>
+              </a14:hiddenFill>
+            </a:ext>
+          </a:extLst>
+        </p:spPr>
+      </p:pic>
+      <p:pic>
+        <p:nvPicPr>
+          <p:cNvPr id="1034" name="Picture 10" descr="https://static1.squarespace.com/static/530d0f38e4b09ab63b7f3789/t/530d4289e4b048ae8c1310b5/1393377931161/bitcoin_machine.jpg">
+            <a:extLst>
+              <a:ext uri="{FF2B5EF4-FFF2-40B4-BE49-F238E27FC236}">
+                <a16:creationId xmlns:a16="http://schemas.microsoft.com/office/drawing/2014/main" id="{19398679-C818-4EC8-B40B-C7F5945EFE2B}"/>
+              </a:ext>
+            </a:extLst>
+          </p:cNvPr>
+          <p:cNvPicPr>
+            <a:picLocks noChangeAspect="1" noChangeArrowheads="1"/>
+          </p:cNvPicPr>
+          <p:nvPr/>
+        </p:nvPicPr>
+        <p:blipFill>
+          <a:blip r:embed="rId7">
+            <a:extLst>
+              <a:ext uri="{28A0092B-C50C-407E-A947-70E740481C1C}">
+                <a14:useLocalDpi xmlns:a14="http://schemas.microsoft.com/office/drawing/2010/main" val="0"/>
+              </a:ext>
+            </a:extLst>
+          </a:blip>
+          <a:srcRect/>
+          <a:stretch>
+            <a:fillRect/>
+          </a:stretch>
+        </p:blipFill>
+        <p:spPr bwMode="auto">
+          <a:xfrm>
+            <a:off x="8797653" y="4011992"/>
+            <a:ext cx="1614351" cy="1597707"/>
+          </a:xfrm>
+          <a:prstGeom prst="rect">
+            <a:avLst/>
+          </a:prstGeom>
+          <a:noFill/>
+          <a:extLst>
+            <a:ext uri="{909E8E84-426E-40DD-AFC4-6F175D3DCCD1}">
+              <a14:hiddenFill xmlns:a14="http://schemas.microsoft.com/office/drawing/2010/main">
+                <a:solidFill>
+                  <a:srgbClr val="FFFFFF"/>
+                </a:solidFill>
+              </a14:hiddenFill>
+            </a:ext>
+          </a:extLst>
+        </p:spPr>
+      </p:pic>
+      <p:sp>
+        <p:nvSpPr>
+          <p:cNvPr id="21" name="TextBox 20">
+            <a:extLst>
+              <a:ext uri="{FF2B5EF4-FFF2-40B4-BE49-F238E27FC236}">
+                <a16:creationId xmlns:a16="http://schemas.microsoft.com/office/drawing/2014/main" id="{7EAC0D79-63F5-4E42-AA87-123BBB9CB758}"/>
+              </a:ext>
+            </a:extLst>
+          </p:cNvPr>
+          <p:cNvSpPr txBox="1"/>
+          <p:nvPr/>
+        </p:nvSpPr>
+        <p:spPr>
+          <a:xfrm>
+            <a:off x="6188528" y="5717756"/>
+            <a:ext cx="2650018" cy="923330"/>
+          </a:xfrm>
+          <a:prstGeom prst="rect">
+            <a:avLst/>
+          </a:prstGeom>
+          <a:noFill/>
+        </p:spPr>
+        <p:txBody>
+          <a:bodyPr wrap="square" rtlCol="0">
+            <a:spAutoFit/>
+          </a:bodyPr>
+          <a:lstStyle/>
+          <a:p>
+            <a:r>
+              <a:rPr lang="en-GB" dirty="0"/>
+              <a:t> Conor</a:t>
+            </a:r>
+          </a:p>
+          <a:p>
+            <a:r>
+              <a:rPr lang="en-GB" dirty="0"/>
+              <a:t> Donal </a:t>
+            </a:r>
+          </a:p>
+          <a:p>
+            <a:r>
+              <a:rPr lang="en-GB" dirty="0"/>
+              <a:t> Stephen</a:t>
+            </a:r>
+          </a:p>
+        </p:txBody>
+      </p:sp>
+      <p:sp>
+        <p:nvSpPr>
+          <p:cNvPr id="22" name="Flowchart: Connector 21">
+            <a:extLst>
+              <a:ext uri="{FF2B5EF4-FFF2-40B4-BE49-F238E27FC236}">
+                <a16:creationId xmlns:a16="http://schemas.microsoft.com/office/drawing/2014/main" id="{A5A3DA10-F72E-47EE-AB69-6DD8CD3AA4BF}"/>
+              </a:ext>
+            </a:extLst>
+          </p:cNvPr>
+          <p:cNvSpPr/>
+          <p:nvPr/>
+        </p:nvSpPr>
+        <p:spPr>
+          <a:xfrm>
+            <a:off x="6096000" y="5845629"/>
+            <a:ext cx="174171" cy="146957"/>
+          </a:xfrm>
+          <a:prstGeom prst="flowChartConnector">
+            <a:avLst/>
+          </a:prstGeom>
+          <a:solidFill>
+            <a:schemeClr val="accent6">
+              <a:lumMod val="50000"/>
+            </a:schemeClr>
+          </a:solidFill>
+          <a:ln>
+            <a:solidFill>
+              <a:schemeClr val="accent6">
+                <a:lumMod val="50000"/>
+              </a:schemeClr>
+            </a:solidFill>
+          </a:ln>
+        </p:spPr>
+        <p:style>
+          <a:lnRef idx="2">
+            <a:schemeClr val="accent1">
+              <a:shade val="50000"/>
+            </a:schemeClr>
+          </a:lnRef>
+          <a:fillRef idx="1">
+            <a:schemeClr val="accent1"/>
+          </a:fillRef>
+          <a:effectRef idx="0">
+            <a:schemeClr val="accent1"/>
+          </a:effectRef>
+          <a:fontRef idx="minor">
+            <a:schemeClr val="lt1"/>
+          </a:fontRef>
+        </p:style>
+        <p:txBody>
+          <a:bodyPr rtlCol="0" anchor="ctr"/>
+          <a:lstStyle/>
+          <a:p>
+            <a:pPr algn="ctr"/>
+            <a:endParaRPr lang="en-GB"/>
+          </a:p>
+        </p:txBody>
+      </p:sp>
+      <p:sp>
+        <p:nvSpPr>
+          <p:cNvPr id="28" name="Flowchart: Connector 27">
+            <a:extLst>
+              <a:ext uri="{FF2B5EF4-FFF2-40B4-BE49-F238E27FC236}">
+                <a16:creationId xmlns:a16="http://schemas.microsoft.com/office/drawing/2014/main" id="{F5A93BC7-BDAC-4D2A-8200-61FF758CE531}"/>
+              </a:ext>
+            </a:extLst>
+          </p:cNvPr>
+          <p:cNvSpPr/>
+          <p:nvPr/>
+        </p:nvSpPr>
+        <p:spPr>
+          <a:xfrm>
+            <a:off x="6096000" y="6095600"/>
+            <a:ext cx="174171" cy="146957"/>
+          </a:xfrm>
+          <a:prstGeom prst="flowChartConnector">
+            <a:avLst/>
+          </a:prstGeom>
+          <a:solidFill>
+            <a:srgbClr val="00B0F0"/>
+          </a:solidFill>
+          <a:ln>
+            <a:solidFill>
+              <a:srgbClr val="00B0F0"/>
+            </a:solidFill>
+          </a:ln>
+        </p:spPr>
+        <p:style>
+          <a:lnRef idx="2">
+            <a:schemeClr val="accent1">
+              <a:shade val="50000"/>
+            </a:schemeClr>
+          </a:lnRef>
+          <a:fillRef idx="1">
+            <a:schemeClr val="accent1"/>
+          </a:fillRef>
+          <a:effectRef idx="0">
+            <a:schemeClr val="accent1"/>
+          </a:effectRef>
+          <a:fontRef idx="minor">
+            <a:schemeClr val="lt1"/>
+          </a:fontRef>
+        </p:style>
+        <p:txBody>
+          <a:bodyPr rtlCol="0" anchor="ctr"/>
+          <a:lstStyle/>
+          <a:p>
+            <a:pPr algn="ctr"/>
+            <a:endParaRPr lang="en-GB"/>
+          </a:p>
+        </p:txBody>
+      </p:sp>
+      <p:sp>
+        <p:nvSpPr>
+          <p:cNvPr id="30" name="Flowchart: Connector 29">
+            <a:extLst>
+              <a:ext uri="{FF2B5EF4-FFF2-40B4-BE49-F238E27FC236}">
+                <a16:creationId xmlns:a16="http://schemas.microsoft.com/office/drawing/2014/main" id="{253371F8-1D21-4469-A837-63191C667399}"/>
+              </a:ext>
+            </a:extLst>
+          </p:cNvPr>
+          <p:cNvSpPr/>
+          <p:nvPr/>
+        </p:nvSpPr>
+        <p:spPr>
+          <a:xfrm>
+            <a:off x="6096000" y="6368343"/>
+            <a:ext cx="174171" cy="146957"/>
+          </a:xfrm>
+          <a:prstGeom prst="flowChartConnector">
+            <a:avLst/>
+          </a:prstGeom>
+          <a:solidFill>
+            <a:srgbClr val="FF0000"/>
+          </a:solidFill>
+          <a:ln>
+            <a:solidFill>
+              <a:srgbClr val="FF0000"/>
+            </a:solidFill>
+          </a:ln>
+        </p:spPr>
+        <p:style>
+          <a:lnRef idx="2">
+            <a:schemeClr val="accent1">
+              <a:shade val="50000"/>
+            </a:schemeClr>
+          </a:lnRef>
+          <a:fillRef idx="1">
+            <a:schemeClr val="accent1"/>
+          </a:fillRef>
+          <a:effectRef idx="0">
+            <a:schemeClr val="accent1"/>
+          </a:effectRef>
+          <a:fontRef idx="minor">
+            <a:schemeClr val="lt1"/>
+          </a:fontRef>
+        </p:style>
+        <p:txBody>
+          <a:bodyPr rtlCol="0" anchor="ctr"/>
+          <a:lstStyle/>
+          <a:p>
+            <a:pPr algn="ctr"/>
+            <a:endParaRPr lang="en-GB"/>
+          </a:p>
+        </p:txBody>
+      </p:sp>
+      <p:sp>
+        <p:nvSpPr>
+          <p:cNvPr id="31" name="Flowchart: Connector 30">
+            <a:extLst>
+              <a:ext uri="{FF2B5EF4-FFF2-40B4-BE49-F238E27FC236}">
+                <a16:creationId xmlns:a16="http://schemas.microsoft.com/office/drawing/2014/main" id="{B37E353E-63FC-4BF9-BA9C-7391A7F7E674}"/>
+              </a:ext>
+            </a:extLst>
+          </p:cNvPr>
+          <p:cNvSpPr/>
+          <p:nvPr/>
+        </p:nvSpPr>
+        <p:spPr>
+          <a:xfrm>
+            <a:off x="7513536" y="2066202"/>
+            <a:ext cx="174171" cy="146957"/>
+          </a:xfrm>
+          <a:prstGeom prst="flowChartConnector">
+            <a:avLst/>
+          </a:prstGeom>
+          <a:solidFill>
+            <a:srgbClr val="00B0F0"/>
+          </a:solidFill>
+          <a:ln>
+            <a:solidFill>
+              <a:srgbClr val="00B0F0"/>
+            </a:solidFill>
+          </a:ln>
+        </p:spPr>
+        <p:style>
+          <a:lnRef idx="2">
+            <a:schemeClr val="accent1">
+              <a:shade val="50000"/>
+            </a:schemeClr>
+          </a:lnRef>
+          <a:fillRef idx="1">
+            <a:schemeClr val="accent1"/>
+          </a:fillRef>
+          <a:effectRef idx="0">
+            <a:schemeClr val="accent1"/>
+          </a:effectRef>
+          <a:fontRef idx="minor">
+            <a:schemeClr val="lt1"/>
+          </a:fontRef>
+        </p:style>
+        <p:txBody>
+          <a:bodyPr rtlCol="0" anchor="ctr"/>
+          <a:lstStyle/>
+          <a:p>
+            <a:pPr algn="ctr"/>
+            <a:endParaRPr lang="en-GB"/>
+          </a:p>
+        </p:txBody>
+      </p:sp>
+      <p:sp>
+        <p:nvSpPr>
+          <p:cNvPr id="32" name="Flowchart: Connector 31">
+            <a:extLst>
+              <a:ext uri="{FF2B5EF4-FFF2-40B4-BE49-F238E27FC236}">
+                <a16:creationId xmlns:a16="http://schemas.microsoft.com/office/drawing/2014/main" id="{9EF9F1D9-DB77-419F-9C93-8C48770AA0E9}"/>
+              </a:ext>
+            </a:extLst>
+          </p:cNvPr>
+          <p:cNvSpPr/>
+          <p:nvPr/>
+        </p:nvSpPr>
+        <p:spPr>
+          <a:xfrm>
+            <a:off x="9171045" y="2071612"/>
+            <a:ext cx="174171" cy="146957"/>
+          </a:xfrm>
+          <a:prstGeom prst="flowChartConnector">
+            <a:avLst/>
+          </a:prstGeom>
+          <a:solidFill>
+            <a:srgbClr val="00B0F0"/>
+          </a:solidFill>
+          <a:ln>
+            <a:solidFill>
+              <a:srgbClr val="00B0F0"/>
+            </a:solidFill>
+          </a:ln>
+        </p:spPr>
+        <p:style>
+          <a:lnRef idx="2">
+            <a:schemeClr val="accent1">
+              <a:shade val="50000"/>
+            </a:schemeClr>
+          </a:lnRef>
+          <a:fillRef idx="1">
+            <a:schemeClr val="accent1"/>
+          </a:fillRef>
+          <a:effectRef idx="0">
+            <a:schemeClr val="accent1"/>
+          </a:effectRef>
+          <a:fontRef idx="minor">
+            <a:schemeClr val="lt1"/>
+          </a:fontRef>
+        </p:style>
+        <p:txBody>
+          <a:bodyPr rtlCol="0" anchor="ctr"/>
+          <a:lstStyle/>
+          <a:p>
+            <a:pPr algn="ctr"/>
+            <a:endParaRPr lang="en-GB"/>
+          </a:p>
+        </p:txBody>
+      </p:sp>
+      <p:sp>
+        <p:nvSpPr>
+          <p:cNvPr id="33" name="Flowchart: Connector 32">
+            <a:extLst>
+              <a:ext uri="{FF2B5EF4-FFF2-40B4-BE49-F238E27FC236}">
+                <a16:creationId xmlns:a16="http://schemas.microsoft.com/office/drawing/2014/main" id="{3CD255DC-B31C-419C-AD39-06EDD4C08FCF}"/>
+              </a:ext>
+            </a:extLst>
+          </p:cNvPr>
+          <p:cNvSpPr/>
+          <p:nvPr/>
+        </p:nvSpPr>
+        <p:spPr>
+          <a:xfrm>
+            <a:off x="9171046" y="3657599"/>
+            <a:ext cx="174171" cy="146957"/>
+          </a:xfrm>
+          <a:prstGeom prst="flowChartConnector">
+            <a:avLst/>
+          </a:prstGeom>
+          <a:solidFill>
+            <a:srgbClr val="00B0F0"/>
+          </a:solidFill>
+          <a:ln>
+            <a:solidFill>
+              <a:srgbClr val="00B0F0"/>
+            </a:solidFill>
+          </a:ln>
+        </p:spPr>
+        <p:style>
+          <a:lnRef idx="2">
+            <a:schemeClr val="accent1">
+              <a:shade val="50000"/>
+            </a:schemeClr>
+          </a:lnRef>
+          <a:fillRef idx="1">
+            <a:schemeClr val="accent1"/>
+          </a:fillRef>
+          <a:effectRef idx="0">
+            <a:schemeClr val="accent1"/>
+          </a:effectRef>
+          <a:fontRef idx="minor">
+            <a:schemeClr val="lt1"/>
+          </a:fontRef>
+        </p:style>
+        <p:txBody>
+          <a:bodyPr rtlCol="0" anchor="ctr"/>
+          <a:lstStyle/>
+          <a:p>
+            <a:pPr algn="ctr"/>
+            <a:endParaRPr lang="en-GB"/>
+          </a:p>
+        </p:txBody>
+      </p:sp>
+      <p:sp>
+        <p:nvSpPr>
+          <p:cNvPr id="34" name="Flowchart: Connector 33">
+            <a:extLst>
+              <a:ext uri="{FF2B5EF4-FFF2-40B4-BE49-F238E27FC236}">
+                <a16:creationId xmlns:a16="http://schemas.microsoft.com/office/drawing/2014/main" id="{7C9D05A8-122E-4560-A7A3-80FAEBC5FEB6}"/>
+              </a:ext>
+            </a:extLst>
+          </p:cNvPr>
+          <p:cNvSpPr/>
+          <p:nvPr/>
+        </p:nvSpPr>
+        <p:spPr>
+          <a:xfrm>
+            <a:off x="9176488" y="5772150"/>
+            <a:ext cx="174171" cy="146957"/>
+          </a:xfrm>
+          <a:prstGeom prst="flowChartConnector">
+            <a:avLst/>
+          </a:prstGeom>
+          <a:solidFill>
+            <a:srgbClr val="00B0F0"/>
+          </a:solidFill>
+          <a:ln>
+            <a:solidFill>
+              <a:srgbClr val="00B0F0"/>
+            </a:solidFill>
+          </a:ln>
+        </p:spPr>
+        <p:style>
+          <a:lnRef idx="2">
+            <a:schemeClr val="accent1">
+              <a:shade val="50000"/>
+            </a:schemeClr>
+          </a:lnRef>
+          <a:fillRef idx="1">
+            <a:schemeClr val="accent1"/>
+          </a:fillRef>
+          <a:effectRef idx="0">
+            <a:schemeClr val="accent1"/>
+          </a:effectRef>
+          <a:fontRef idx="minor">
+            <a:schemeClr val="lt1"/>
+          </a:fontRef>
+        </p:style>
+        <p:txBody>
+          <a:bodyPr rtlCol="0" anchor="ctr"/>
+          <a:lstStyle/>
+          <a:p>
+            <a:pPr algn="ctr"/>
+            <a:endParaRPr lang="en-GB"/>
+          </a:p>
+        </p:txBody>
+      </p:sp>
+      <p:sp>
+        <p:nvSpPr>
+          <p:cNvPr id="36" name="Flowchart: Connector 35">
+            <a:extLst>
+              <a:ext uri="{FF2B5EF4-FFF2-40B4-BE49-F238E27FC236}">
+                <a16:creationId xmlns:a16="http://schemas.microsoft.com/office/drawing/2014/main" id="{EA323CA6-62AD-43F9-A6BF-74976E75F488}"/>
+              </a:ext>
+            </a:extLst>
+          </p:cNvPr>
+          <p:cNvSpPr/>
+          <p:nvPr/>
+        </p:nvSpPr>
+        <p:spPr>
+          <a:xfrm>
+            <a:off x="9506517" y="5772150"/>
+            <a:ext cx="174171" cy="146957"/>
+          </a:xfrm>
+          <a:prstGeom prst="flowChartConnector">
+            <a:avLst/>
+          </a:prstGeom>
+          <a:solidFill>
+            <a:schemeClr val="accent6">
+              <a:lumMod val="50000"/>
+            </a:schemeClr>
+          </a:solidFill>
+          <a:ln>
+            <a:solidFill>
+              <a:schemeClr val="accent6">
+                <a:lumMod val="50000"/>
+              </a:schemeClr>
+            </a:solidFill>
+          </a:ln>
+        </p:spPr>
+        <p:style>
+          <a:lnRef idx="2">
+            <a:schemeClr val="accent1">
+              <a:shade val="50000"/>
+            </a:schemeClr>
+          </a:lnRef>
+          <a:fillRef idx="1">
+            <a:schemeClr val="accent1"/>
+          </a:fillRef>
+          <a:effectRef idx="0">
+            <a:schemeClr val="accent1"/>
+          </a:effectRef>
+          <a:fontRef idx="minor">
+            <a:schemeClr val="lt1"/>
+          </a:fontRef>
+        </p:style>
+        <p:txBody>
+          <a:bodyPr rtlCol="0" anchor="ctr"/>
+          <a:lstStyle/>
+          <a:p>
+            <a:pPr algn="ctr"/>
+            <a:endParaRPr lang="en-GB"/>
+          </a:p>
+        </p:txBody>
+      </p:sp>
+      <p:sp>
+        <p:nvSpPr>
+          <p:cNvPr id="37" name="Flowchart: Connector 36">
+            <a:extLst>
+              <a:ext uri="{FF2B5EF4-FFF2-40B4-BE49-F238E27FC236}">
+                <a16:creationId xmlns:a16="http://schemas.microsoft.com/office/drawing/2014/main" id="{A4953B5B-45D5-4A06-A842-68F493212053}"/>
+              </a:ext>
+            </a:extLst>
+          </p:cNvPr>
+          <p:cNvSpPr/>
+          <p:nvPr/>
+        </p:nvSpPr>
+        <p:spPr>
+          <a:xfrm>
+            <a:off x="9506518" y="2071610"/>
+            <a:ext cx="174171" cy="146957"/>
+          </a:xfrm>
+          <a:prstGeom prst="flowChartConnector">
+            <a:avLst/>
+          </a:prstGeom>
+          <a:solidFill>
+            <a:schemeClr val="accent6">
+              <a:lumMod val="50000"/>
+            </a:schemeClr>
+          </a:solidFill>
+          <a:ln>
+            <a:solidFill>
+              <a:schemeClr val="accent6">
+                <a:lumMod val="50000"/>
+              </a:schemeClr>
+            </a:solidFill>
+          </a:ln>
+        </p:spPr>
+        <p:style>
+          <a:lnRef idx="2">
+            <a:schemeClr val="accent1">
+              <a:shade val="50000"/>
+            </a:schemeClr>
+          </a:lnRef>
+          <a:fillRef idx="1">
+            <a:schemeClr val="accent1"/>
+          </a:fillRef>
+          <a:effectRef idx="0">
+            <a:schemeClr val="accent1"/>
+          </a:effectRef>
+          <a:fontRef idx="minor">
+            <a:schemeClr val="lt1"/>
+          </a:fontRef>
+        </p:style>
+        <p:txBody>
+          <a:bodyPr rtlCol="0" anchor="ctr"/>
+          <a:lstStyle/>
+          <a:p>
+            <a:pPr algn="ctr"/>
+            <a:endParaRPr lang="en-GB"/>
+          </a:p>
+        </p:txBody>
+      </p:sp>
+      <p:sp>
+        <p:nvSpPr>
+          <p:cNvPr id="38" name="Flowchart: Connector 37">
+            <a:extLst>
+              <a:ext uri="{FF2B5EF4-FFF2-40B4-BE49-F238E27FC236}">
+                <a16:creationId xmlns:a16="http://schemas.microsoft.com/office/drawing/2014/main" id="{036EDC2F-E051-4B71-9C34-8B25384E19E7}"/>
+              </a:ext>
+            </a:extLst>
+          </p:cNvPr>
+          <p:cNvSpPr/>
+          <p:nvPr/>
+        </p:nvSpPr>
+        <p:spPr>
+          <a:xfrm>
+            <a:off x="9506517" y="3657599"/>
+            <a:ext cx="174171" cy="146957"/>
+          </a:xfrm>
+          <a:prstGeom prst="flowChartConnector">
+            <a:avLst/>
+          </a:prstGeom>
+          <a:solidFill>
+            <a:schemeClr val="accent6">
+              <a:lumMod val="50000"/>
+            </a:schemeClr>
+          </a:solidFill>
+          <a:ln>
+            <a:solidFill>
+              <a:schemeClr val="accent6">
+                <a:lumMod val="50000"/>
+              </a:schemeClr>
+            </a:solidFill>
+          </a:ln>
+        </p:spPr>
+        <p:style>
+          <a:lnRef idx="2">
+            <a:schemeClr val="accent1">
+              <a:shade val="50000"/>
+            </a:schemeClr>
+          </a:lnRef>
+          <a:fillRef idx="1">
+            <a:schemeClr val="accent1"/>
+          </a:fillRef>
+          <a:effectRef idx="0">
+            <a:schemeClr val="accent1"/>
+          </a:effectRef>
+          <a:fontRef idx="minor">
+            <a:schemeClr val="lt1"/>
+          </a:fontRef>
+        </p:style>
+        <p:txBody>
+          <a:bodyPr rtlCol="0" anchor="ctr"/>
+          <a:lstStyle/>
+          <a:p>
+            <a:pPr algn="ctr"/>
+            <a:endParaRPr lang="en-GB"/>
+          </a:p>
+        </p:txBody>
+      </p:sp>
+      <p:sp>
+        <p:nvSpPr>
+          <p:cNvPr id="39" name="Flowchart: Connector 38">
+            <a:extLst>
+              <a:ext uri="{FF2B5EF4-FFF2-40B4-BE49-F238E27FC236}">
+                <a16:creationId xmlns:a16="http://schemas.microsoft.com/office/drawing/2014/main" id="{1519D7EC-17EB-47C1-89A9-D8213928832A}"/>
+              </a:ext>
+            </a:extLst>
+          </p:cNvPr>
+          <p:cNvSpPr/>
+          <p:nvPr/>
+        </p:nvSpPr>
+        <p:spPr>
+          <a:xfrm>
+            <a:off x="7513537" y="5625193"/>
+            <a:ext cx="174171" cy="146957"/>
+          </a:xfrm>
+          <a:prstGeom prst="flowChartConnector">
+            <a:avLst/>
+          </a:prstGeom>
+          <a:solidFill>
+            <a:schemeClr val="accent6">
+              <a:lumMod val="50000"/>
+            </a:schemeClr>
+          </a:solidFill>
+          <a:ln>
+            <a:solidFill>
+              <a:schemeClr val="accent6">
+                <a:lumMod val="50000"/>
+              </a:schemeClr>
+            </a:solidFill>
+          </a:ln>
+        </p:spPr>
+        <p:style>
+          <a:lnRef idx="2">
+            <a:schemeClr val="accent1">
+              <a:shade val="50000"/>
+            </a:schemeClr>
+          </a:lnRef>
+          <a:fillRef idx="1">
+            <a:schemeClr val="accent1"/>
+          </a:fillRef>
+          <a:effectRef idx="0">
+            <a:schemeClr val="accent1"/>
+          </a:effectRef>
+          <a:fontRef idx="minor">
+            <a:schemeClr val="lt1"/>
+          </a:fontRef>
+        </p:style>
+        <p:txBody>
+          <a:bodyPr rtlCol="0" anchor="ctr"/>
+          <a:lstStyle/>
+          <a:p>
+            <a:pPr algn="ctr"/>
+            <a:endParaRPr lang="en-GB"/>
+          </a:p>
+        </p:txBody>
+      </p:sp>
+      <p:sp>
+        <p:nvSpPr>
+          <p:cNvPr id="40" name="Flowchart: Connector 39">
+            <a:extLst>
+              <a:ext uri="{FF2B5EF4-FFF2-40B4-BE49-F238E27FC236}">
+                <a16:creationId xmlns:a16="http://schemas.microsoft.com/office/drawing/2014/main" id="{5BD29BE0-F4C7-46D7-851A-FFCFA13A38F4}"/>
+              </a:ext>
+            </a:extLst>
+          </p:cNvPr>
+          <p:cNvSpPr/>
+          <p:nvPr/>
+        </p:nvSpPr>
+        <p:spPr>
+          <a:xfrm>
+            <a:off x="7513535" y="3804556"/>
+            <a:ext cx="174171" cy="146957"/>
+          </a:xfrm>
+          <a:prstGeom prst="flowChartConnector">
+            <a:avLst/>
+          </a:prstGeom>
+          <a:solidFill>
+            <a:srgbClr val="FF0000"/>
+          </a:solidFill>
+          <a:ln>
+            <a:solidFill>
+              <a:srgbClr val="FF0000"/>
+            </a:solidFill>
+          </a:ln>
+        </p:spPr>
+        <p:style>
+          <a:lnRef idx="2">
+            <a:schemeClr val="accent1">
+              <a:shade val="50000"/>
+            </a:schemeClr>
+          </a:lnRef>
+          <a:fillRef idx="1">
+            <a:schemeClr val="accent1"/>
+          </a:fillRef>
+          <a:effectRef idx="0">
+            <a:schemeClr val="accent1"/>
+          </a:effectRef>
+          <a:fontRef idx="minor">
+            <a:schemeClr val="lt1"/>
+          </a:fontRef>
+        </p:style>
+        <p:txBody>
+          <a:bodyPr rtlCol="0" anchor="ctr"/>
+          <a:lstStyle/>
+          <a:p>
+            <a:pPr algn="ctr"/>
+            <a:endParaRPr lang="en-GB"/>
+          </a:p>
+        </p:txBody>
+      </p:sp>
+      <p:sp>
+        <p:nvSpPr>
+          <p:cNvPr id="41" name="Flowchart: Connector 40">
+            <a:extLst>
+              <a:ext uri="{FF2B5EF4-FFF2-40B4-BE49-F238E27FC236}">
+                <a16:creationId xmlns:a16="http://schemas.microsoft.com/office/drawing/2014/main" id="{1D3820EE-DCFA-4A9B-8EE5-684647DFE6F8}"/>
+              </a:ext>
+            </a:extLst>
+          </p:cNvPr>
+          <p:cNvSpPr/>
+          <p:nvPr/>
+        </p:nvSpPr>
+        <p:spPr>
+          <a:xfrm>
+            <a:off x="9810906" y="5772149"/>
+            <a:ext cx="174171" cy="146957"/>
+          </a:xfrm>
+          <a:prstGeom prst="flowChartConnector">
+            <a:avLst/>
+          </a:prstGeom>
+          <a:solidFill>
+            <a:srgbClr val="FF0000"/>
+          </a:solidFill>
+          <a:ln>
+            <a:solidFill>
+              <a:srgbClr val="FF0000"/>
+            </a:solidFill>
+          </a:ln>
+        </p:spPr>
+        <p:style>
+          <a:lnRef idx="2">
+            <a:schemeClr val="accent1">
+              <a:shade val="50000"/>
+            </a:schemeClr>
+          </a:lnRef>
+          <a:fillRef idx="1">
+            <a:schemeClr val="accent1"/>
+          </a:fillRef>
+          <a:effectRef idx="0">
+            <a:schemeClr val="accent1"/>
+          </a:effectRef>
+          <a:fontRef idx="minor">
+            <a:schemeClr val="lt1"/>
+          </a:fontRef>
+        </p:style>
+        <p:txBody>
+          <a:bodyPr rtlCol="0" anchor="ctr"/>
+          <a:lstStyle/>
+          <a:p>
+            <a:pPr algn="ctr"/>
+            <a:endParaRPr lang="en-GB"/>
+          </a:p>
+        </p:txBody>
+      </p:sp>
+      <p:sp>
+        <p:nvSpPr>
+          <p:cNvPr id="42" name="Flowchart: Connector 41">
+            <a:extLst>
+              <a:ext uri="{FF2B5EF4-FFF2-40B4-BE49-F238E27FC236}">
+                <a16:creationId xmlns:a16="http://schemas.microsoft.com/office/drawing/2014/main" id="{47344836-C3D8-4C49-ADE7-FEAF11295A50}"/>
+              </a:ext>
+            </a:extLst>
+          </p:cNvPr>
+          <p:cNvSpPr/>
+          <p:nvPr/>
+        </p:nvSpPr>
+        <p:spPr>
+          <a:xfrm>
+            <a:off x="9810907" y="3663142"/>
+            <a:ext cx="174171" cy="146957"/>
+          </a:xfrm>
+          <a:prstGeom prst="flowChartConnector">
+            <a:avLst/>
+          </a:prstGeom>
+          <a:solidFill>
+            <a:srgbClr val="FF0000"/>
+          </a:solidFill>
+          <a:ln>
+            <a:solidFill>
+              <a:srgbClr val="FF0000"/>
+            </a:solidFill>
+          </a:ln>
+        </p:spPr>
+        <p:style>
+          <a:lnRef idx="2">
+            <a:schemeClr val="accent1">
+              <a:shade val="50000"/>
+            </a:schemeClr>
+          </a:lnRef>
+          <a:fillRef idx="1">
+            <a:schemeClr val="accent1"/>
+          </a:fillRef>
+          <a:effectRef idx="0">
+            <a:schemeClr val="accent1"/>
+          </a:effectRef>
+          <a:fontRef idx="minor">
+            <a:schemeClr val="lt1"/>
+          </a:fontRef>
+        </p:style>
+        <p:txBody>
+          <a:bodyPr rtlCol="0" anchor="ctr"/>
+          <a:lstStyle/>
+          <a:p>
+            <a:pPr algn="ctr"/>
+            <a:endParaRPr lang="en-GB"/>
+          </a:p>
+        </p:txBody>
+      </p:sp>
+      <p:sp>
+        <p:nvSpPr>
+          <p:cNvPr id="43" name="Flowchart: Connector 42">
+            <a:extLst>
+              <a:ext uri="{FF2B5EF4-FFF2-40B4-BE49-F238E27FC236}">
+                <a16:creationId xmlns:a16="http://schemas.microsoft.com/office/drawing/2014/main" id="{DF8829C0-0A8E-4413-8090-0F3496CF3A5E}"/>
+              </a:ext>
+            </a:extLst>
+          </p:cNvPr>
+          <p:cNvSpPr/>
+          <p:nvPr/>
+        </p:nvSpPr>
+        <p:spPr>
+          <a:xfrm>
+            <a:off x="9810906" y="2092677"/>
+            <a:ext cx="174171" cy="146957"/>
+          </a:xfrm>
+          <a:prstGeom prst="flowChartConnector">
+            <a:avLst/>
+          </a:prstGeom>
+          <a:solidFill>
+            <a:srgbClr val="FF0000"/>
+          </a:solidFill>
+          <a:ln>
+            <a:solidFill>
+              <a:srgbClr val="FF0000"/>
+            </a:solidFill>
+          </a:ln>
+        </p:spPr>
+        <p:style>
+          <a:lnRef idx="2">
+            <a:schemeClr val="accent1">
+              <a:shade val="50000"/>
+            </a:schemeClr>
+          </a:lnRef>
+          <a:fillRef idx="1">
+            <a:schemeClr val="accent1"/>
+          </a:fillRef>
+          <a:effectRef idx="0">
+            <a:schemeClr val="accent1"/>
+          </a:effectRef>
+          <a:fontRef idx="minor">
+            <a:schemeClr val="lt1"/>
+          </a:fontRef>
+        </p:style>
+        <p:txBody>
+          <a:bodyPr rtlCol="0" anchor="ctr"/>
+          <a:lstStyle/>
+          <a:p>
+            <a:pPr algn="ctr"/>
+            <a:endParaRPr lang="en-GB"/>
+          </a:p>
+        </p:txBody>
+      </p:sp>
+      <p:sp>
+        <p:nvSpPr>
+          <p:cNvPr id="24" name="TextBox 23">
+            <a:extLst>
+              <a:ext uri="{FF2B5EF4-FFF2-40B4-BE49-F238E27FC236}">
+                <a16:creationId xmlns:a16="http://schemas.microsoft.com/office/drawing/2014/main" id="{749AF1EB-6770-445E-8347-D71ACAE96E88}"/>
+              </a:ext>
+            </a:extLst>
+          </p:cNvPr>
+          <p:cNvSpPr txBox="1"/>
+          <p:nvPr/>
+        </p:nvSpPr>
+        <p:spPr>
+          <a:xfrm>
+            <a:off x="7391966" y="482574"/>
+            <a:ext cx="2288722" cy="369332"/>
+          </a:xfrm>
+          <a:prstGeom prst="rect">
+            <a:avLst/>
+          </a:prstGeom>
+          <a:noFill/>
+        </p:spPr>
+        <p:txBody>
+          <a:bodyPr wrap="square" rtlCol="0">
+            <a:spAutoFit/>
+          </a:bodyPr>
+          <a:lstStyle/>
+          <a:p>
+            <a:pPr algn="ctr"/>
+            <a:r>
+              <a:rPr lang="en-GB" b="1" dirty="0">
+                <a:latin typeface="+mj-lt"/>
+              </a:rPr>
+              <a:t>Work Breakdown</a:t>
+            </a:r>
+          </a:p>
+        </p:txBody>
+      </p:sp>
+    </p:spTree>
+    <p:extLst>
+      <p:ext uri="{BB962C8B-B14F-4D97-AF65-F5344CB8AC3E}">
+        <p14:creationId xmlns:p14="http://schemas.microsoft.com/office/powerpoint/2010/main" val="54940991"/>
+      </p:ext>
+    </p:extLst>
+  </p:cSld>
+  <p:clrMapOvr>
+    <a:masterClrMapping/>
+  </p:clrMapOvr>
+</p:sld>
+</file>
+
+<file path=ppt/slides/slide5.xml><?xml version="1.0" encoding="utf-8"?>
+<p:sld xmlns:a="http://schemas.openxmlformats.org/drawingml/2006/main" xmlns:r="http://schemas.openxmlformats.org/officeDocument/2006/relationships" xmlns:p="http://schemas.openxmlformats.org/presentationml/2006/main">
+  <p:cSld>
+    <p:spTree>
+      <p:nvGrpSpPr>
+        <p:cNvPr id="1" name=""/>
+        <p:cNvGrpSpPr/>
+        <p:nvPr/>
+      </p:nvGrpSpPr>
+      <p:grpSpPr>
+        <a:xfrm>
+          <a:off x="0" y="0"/>
+          <a:ext cx="0" cy="0"/>
+          <a:chOff x="0" y="0"/>
+          <a:chExt cx="0" cy="0"/>
+        </a:xfrm>
+      </p:grpSpPr>
       <p:pic>
         <p:nvPicPr>
           <p:cNvPr id="5" name="Online Media 4">
@@ -15546,4 +17320,299 @@
     </a:ext>
   </a:extLst>
 </a:theme>
+</file>
+
+<file path=ppt/theme/theme2.xml><?xml version="1.0" encoding="utf-8"?>
+<a:theme xmlns:a="http://schemas.openxmlformats.org/drawingml/2006/main" name="Office Theme">
+  <a:themeElements>
+    <a:clrScheme name="Office">
+      <a:dk1>
+        <a:sysClr val="windowText" lastClr="000000"/>
+      </a:dk1>
+      <a:lt1>
+        <a:sysClr val="window" lastClr="FFFFFF"/>
+      </a:lt1>
+      <a:dk2>
+        <a:srgbClr val="44546A"/>
+      </a:dk2>
+      <a:lt2>
+        <a:srgbClr val="E7E6E6"/>
+      </a:lt2>
+      <a:accent1>
+        <a:srgbClr val="4472C4"/>
+      </a:accent1>
+      <a:accent2>
+        <a:srgbClr val="ED7D31"/>
+      </a:accent2>
+      <a:accent3>
+        <a:srgbClr val="A5A5A5"/>
+      </a:accent3>
+      <a:accent4>
+        <a:srgbClr val="FFC000"/>
+      </a:accent4>
+      <a:accent5>
+        <a:srgbClr val="5B9BD5"/>
+      </a:accent5>
+      <a:accent6>
+        <a:srgbClr val="70AD47"/>
+      </a:accent6>
+      <a:hlink>
+        <a:srgbClr val="0563C1"/>
+      </a:hlink>
+      <a:folHlink>
+        <a:srgbClr val="954F72"/>
+      </a:folHlink>
+    </a:clrScheme>
+    <a:fontScheme name="Office">
+      <a:majorFont>
+        <a:latin typeface="Calibri Light" panose="020F0302020204030204"/>
+        <a:ea typeface=""/>
+        <a:cs typeface=""/>
+        <a:font script="Jpan" typeface="游ゴシック Light"/>
+        <a:font script="Hang" typeface="맑은 고딕"/>
+        <a:font script="Hans" typeface="等线 Light"/>
+        <a:font script="Hant" typeface="新細明體"/>
+        <a:font script="Arab" typeface="Times New Roman"/>
+        <a:font script="Hebr" typeface="Times New Roman"/>
+        <a:font script="Thai" typeface="Angsana New"/>
+        <a:font script="Ethi" typeface="Nyala"/>
+        <a:font script="Beng" typeface="Vrinda"/>
+        <a:font script="Gujr" typeface="Shruti"/>
+        <a:font script="Khmr" typeface="MoolBoran"/>
+        <a:font script="Knda" typeface="Tunga"/>
+        <a:font script="Guru" typeface="Raavi"/>
+        <a:font script="Cans" typeface="Euphemia"/>
+        <a:font script="Cher" typeface="Plantagenet Cherokee"/>
+        <a:font script="Yiii" typeface="Microsoft Yi Baiti"/>
+        <a:font script="Tibt" typeface="Microsoft Himalaya"/>
+        <a:font script="Thaa" typeface="MV Boli"/>
+        <a:font script="Deva" typeface="Mangal"/>
+        <a:font script="Telu" typeface="Gautami"/>
+        <a:font script="Taml" typeface="Latha"/>
+        <a:font script="Syrc" typeface="Estrangelo Edessa"/>
+        <a:font script="Orya" typeface="Kalinga"/>
+        <a:font script="Mlym" typeface="Kartika"/>
+        <a:font script="Laoo" typeface="DokChampa"/>
+        <a:font script="Sinh" typeface="Iskoola Pota"/>
+        <a:font script="Mong" typeface="Mongolian Baiti"/>
+        <a:font script="Viet" typeface="Times New Roman"/>
+        <a:font script="Uigh" typeface="Microsoft Uighur"/>
+        <a:font script="Geor" typeface="Sylfaen"/>
+        <a:font script="Armn" typeface="Arial"/>
+        <a:font script="Bugi" typeface="Leelawadee UI"/>
+        <a:font script="Bopo" typeface="Microsoft JhengHei"/>
+        <a:font script="Java" typeface="Javanese Text"/>
+        <a:font script="Lisu" typeface="Segoe UI"/>
+        <a:font script="Mymr" typeface="Myanmar Text"/>
+        <a:font script="Nkoo" typeface="Ebrima"/>
+        <a:font script="Olck" typeface="Nirmala UI"/>
+        <a:font script="Osma" typeface="Ebrima"/>
+        <a:font script="Phag" typeface="Phagspa"/>
+        <a:font script="Syrn" typeface="Estrangelo Edessa"/>
+        <a:font script="Syrj" typeface="Estrangelo Edessa"/>
+        <a:font script="Syre" typeface="Estrangelo Edessa"/>
+        <a:font script="Sora" typeface="Nirmala UI"/>
+        <a:font script="Tale" typeface="Microsoft Tai Le"/>
+        <a:font script="Talu" typeface="Microsoft New Tai Lue"/>
+        <a:font script="Tfng" typeface="Ebrima"/>
+      </a:majorFont>
+      <a:minorFont>
+        <a:latin typeface="Calibri" panose="020F0502020204030204"/>
+        <a:ea typeface=""/>
+        <a:cs typeface=""/>
+        <a:font script="Jpan" typeface="游ゴシック"/>
+        <a:font script="Hang" typeface="맑은 고딕"/>
+        <a:font script="Hans" typeface="等线"/>
+        <a:font script="Hant" typeface="新細明體"/>
+        <a:font script="Arab" typeface="Arial"/>
+        <a:font script="Hebr" typeface="Arial"/>
+        <a:font script="Thai" typeface="Cordia New"/>
+        <a:font script="Ethi" typeface="Nyala"/>
+        <a:font script="Beng" typeface="Vrinda"/>
+        <a:font script="Gujr" typeface="Shruti"/>
+        <a:font script="Khmr" typeface="DaunPenh"/>
+        <a:font script="Knda" typeface="Tunga"/>
+        <a:font script="Guru" typeface="Raavi"/>
+        <a:font script="Cans" typeface="Euphemia"/>
+        <a:font script="Cher" typeface="Plantagenet Cherokee"/>
+        <a:font script="Yiii" typeface="Microsoft Yi Baiti"/>
+        <a:font script="Tibt" typeface="Microsoft Himalaya"/>
+        <a:font script="Thaa" typeface="MV Boli"/>
+        <a:font script="Deva" typeface="Mangal"/>
+        <a:font script="Telu" typeface="Gautami"/>
+        <a:font script="Taml" typeface="Latha"/>
+        <a:font script="Syrc" typeface="Estrangelo Edessa"/>
+        <a:font script="Orya" typeface="Kalinga"/>
+        <a:font script="Mlym" typeface="Kartika"/>
+        <a:font script="Laoo" typeface="DokChampa"/>
+        <a:font script="Sinh" typeface="Iskoola Pota"/>
+        <a:font script="Mong" typeface="Mongolian Baiti"/>
+        <a:font script="Viet" typeface="Arial"/>
+        <a:font script="Uigh" typeface="Microsoft Uighur"/>
+        <a:font script="Geor" typeface="Sylfaen"/>
+        <a:font script="Armn" typeface="Arial"/>
+        <a:font script="Bugi" typeface="Leelawadee UI"/>
+        <a:font script="Bopo" typeface="Microsoft JhengHei"/>
+        <a:font script="Java" typeface="Javanese Text"/>
+        <a:font script="Lisu" typeface="Segoe UI"/>
+        <a:font script="Mymr" typeface="Myanmar Text"/>
+        <a:font script="Nkoo" typeface="Ebrima"/>
+        <a:font script="Olck" typeface="Nirmala UI"/>
+        <a:font script="Osma" typeface="Ebrima"/>
+        <a:font script="Phag" typeface="Phagspa"/>
+        <a:font script="Syrn" typeface="Estrangelo Edessa"/>
+        <a:font script="Syrj" typeface="Estrangelo Edessa"/>
+        <a:font script="Syre" typeface="Estrangelo Edessa"/>
+        <a:font script="Sora" typeface="Nirmala UI"/>
+        <a:font script="Tale" typeface="Microsoft Tai Le"/>
+        <a:font script="Talu" typeface="Microsoft New Tai Lue"/>
+        <a:font script="Tfng" typeface="Ebrima"/>
+      </a:minorFont>
+    </a:fontScheme>
+    <a:fmtScheme name="Office">
+      <a:fillStyleLst>
+        <a:solidFill>
+          <a:schemeClr val="phClr"/>
+        </a:solidFill>
+        <a:gradFill rotWithShape="1">
+          <a:gsLst>
+            <a:gs pos="0">
+              <a:schemeClr val="phClr">
+                <a:lumMod val="110000"/>
+                <a:satMod val="105000"/>
+                <a:tint val="67000"/>
+              </a:schemeClr>
+            </a:gs>
+            <a:gs pos="50000">
+              <a:schemeClr val="phClr">
+                <a:lumMod val="105000"/>
+                <a:satMod val="103000"/>
+                <a:tint val="73000"/>
+              </a:schemeClr>
+            </a:gs>
+            <a:gs pos="100000">
+              <a:schemeClr val="phClr">
+                <a:lumMod val="105000"/>
+                <a:satMod val="109000"/>
+                <a:tint val="81000"/>
+              </a:schemeClr>
+            </a:gs>
+          </a:gsLst>
+          <a:lin ang="5400000" scaled="0"/>
+        </a:gradFill>
+        <a:gradFill rotWithShape="1">
+          <a:gsLst>
+            <a:gs pos="0">
+              <a:schemeClr val="phClr">
+                <a:satMod val="103000"/>
+                <a:lumMod val="102000"/>
+                <a:tint val="94000"/>
+              </a:schemeClr>
+            </a:gs>
+            <a:gs pos="50000">
+              <a:schemeClr val="phClr">
+                <a:satMod val="110000"/>
+                <a:lumMod val="100000"/>
+                <a:shade val="100000"/>
+              </a:schemeClr>
+            </a:gs>
+            <a:gs pos="100000">
+              <a:schemeClr val="phClr">
+                <a:lumMod val="99000"/>
+                <a:satMod val="120000"/>
+                <a:shade val="78000"/>
+              </a:schemeClr>
+            </a:gs>
+          </a:gsLst>
+          <a:lin ang="5400000" scaled="0"/>
+        </a:gradFill>
+      </a:fillStyleLst>
+      <a:lnStyleLst>
+        <a:ln w="6350" cap="flat" cmpd="sng" algn="ctr">
+          <a:solidFill>
+            <a:schemeClr val="phClr"/>
+          </a:solidFill>
+          <a:prstDash val="solid"/>
+          <a:miter lim="800000"/>
+        </a:ln>
+        <a:ln w="12700" cap="flat" cmpd="sng" algn="ctr">
+          <a:solidFill>
+            <a:schemeClr val="phClr"/>
+          </a:solidFill>
+          <a:prstDash val="solid"/>
+          <a:miter lim="800000"/>
+        </a:ln>
+        <a:ln w="19050" cap="flat" cmpd="sng" algn="ctr">
+          <a:solidFill>
+            <a:schemeClr val="phClr"/>
+          </a:solidFill>
+          <a:prstDash val="solid"/>
+          <a:miter lim="800000"/>
+        </a:ln>
+      </a:lnStyleLst>
+      <a:effectStyleLst>
+        <a:effectStyle>
+          <a:effectLst/>
+        </a:effectStyle>
+        <a:effectStyle>
+          <a:effectLst/>
+        </a:effectStyle>
+        <a:effectStyle>
+          <a:effectLst>
+            <a:outerShdw blurRad="57150" dist="19050" dir="5400000" algn="ctr" rotWithShape="0">
+              <a:srgbClr val="000000">
+                <a:alpha val="63000"/>
+              </a:srgbClr>
+            </a:outerShdw>
+          </a:effectLst>
+        </a:effectStyle>
+      </a:effectStyleLst>
+      <a:bgFillStyleLst>
+        <a:solidFill>
+          <a:schemeClr val="phClr"/>
+        </a:solidFill>
+        <a:solidFill>
+          <a:schemeClr val="phClr">
+            <a:tint val="95000"/>
+            <a:satMod val="170000"/>
+          </a:schemeClr>
+        </a:solidFill>
+        <a:gradFill rotWithShape="1">
+          <a:gsLst>
+            <a:gs pos="0">
+              <a:schemeClr val="phClr">
+                <a:tint val="93000"/>
+                <a:satMod val="150000"/>
+                <a:shade val="98000"/>
+                <a:lumMod val="102000"/>
+              </a:schemeClr>
+            </a:gs>
+            <a:gs pos="50000">
+              <a:schemeClr val="phClr">
+                <a:tint val="98000"/>
+                <a:satMod val="130000"/>
+                <a:shade val="90000"/>
+                <a:lumMod val="103000"/>
+              </a:schemeClr>
+            </a:gs>
+            <a:gs pos="100000">
+              <a:schemeClr val="phClr">
+                <a:shade val="63000"/>
+                <a:satMod val="120000"/>
+              </a:schemeClr>
+            </a:gs>
+          </a:gsLst>
+          <a:lin ang="5400000" scaled="0"/>
+        </a:gradFill>
+      </a:bgFillStyleLst>
+    </a:fmtScheme>
+  </a:themeElements>
+  <a:objectDefaults/>
+  <a:extraClrSchemeLst/>
+  <a:extLst>
+    <a:ext uri="{05A4C25C-085E-4340-85A3-A5531E510DB2}">
+      <thm15:themeFamily xmlns:thm15="http://schemas.microsoft.com/office/thememl/2012/main" name="Office Theme" id="{62F939B6-93AF-4DB8-9C6B-D6C7DFDC589F}" vid="{4A3C46E8-61CC-4603-A589-7422A47A8E4A}"/>
+    </a:ext>
+  </a:extLst>
+</a:theme>
 </file>